--- a/Presentations/Privacy Consent on FHIR.pptx
+++ b/Presentations/Privacy Consent on FHIR.pptx
@@ -3,31 +3,32 @@
 <p:presentation xmlns:a="http://schemas.openxmlformats.org/drawingml/2006/main" xmlns:r="http://schemas.openxmlformats.org/officeDocument/2006/relationships" xmlns:p="http://schemas.openxmlformats.org/presentationml/2006/main" saveSubsetFonts="1">
   <p:sldMasterIdLst>
     <p:sldMasterId id="2147483648" r:id="rId1"/>
+    <p:sldMasterId id="2147483660" r:id="rId2"/>
   </p:sldMasterIdLst>
   <p:notesMasterIdLst>
-    <p:notesMasterId r:id="rId22"/>
+    <p:notesMasterId r:id="rId23"/>
   </p:notesMasterIdLst>
   <p:sldIdLst>
-    <p:sldId id="256" r:id="rId2"/>
-    <p:sldId id="257" r:id="rId3"/>
-    <p:sldId id="260" r:id="rId4"/>
-    <p:sldId id="258" r:id="rId5"/>
-    <p:sldId id="263" r:id="rId6"/>
-    <p:sldId id="259" r:id="rId7"/>
-    <p:sldId id="261" r:id="rId8"/>
-    <p:sldId id="262" r:id="rId9"/>
-    <p:sldId id="265" r:id="rId10"/>
-    <p:sldId id="264" r:id="rId11"/>
-    <p:sldId id="273" r:id="rId12"/>
-    <p:sldId id="266" r:id="rId13"/>
-    <p:sldId id="274" r:id="rId14"/>
-    <p:sldId id="268" r:id="rId15"/>
-    <p:sldId id="275" r:id="rId16"/>
-    <p:sldId id="267" r:id="rId17"/>
-    <p:sldId id="269" r:id="rId18"/>
-    <p:sldId id="270" r:id="rId19"/>
-    <p:sldId id="271" r:id="rId20"/>
-    <p:sldId id="272" r:id="rId21"/>
+    <p:sldId id="576" r:id="rId3"/>
+    <p:sldId id="257" r:id="rId4"/>
+    <p:sldId id="260" r:id="rId5"/>
+    <p:sldId id="258" r:id="rId6"/>
+    <p:sldId id="263" r:id="rId7"/>
+    <p:sldId id="259" r:id="rId8"/>
+    <p:sldId id="261" r:id="rId9"/>
+    <p:sldId id="262" r:id="rId10"/>
+    <p:sldId id="265" r:id="rId11"/>
+    <p:sldId id="264" r:id="rId12"/>
+    <p:sldId id="273" r:id="rId13"/>
+    <p:sldId id="266" r:id="rId14"/>
+    <p:sldId id="274" r:id="rId15"/>
+    <p:sldId id="268" r:id="rId16"/>
+    <p:sldId id="275" r:id="rId17"/>
+    <p:sldId id="267" r:id="rId18"/>
+    <p:sldId id="269" r:id="rId19"/>
+    <p:sldId id="270" r:id="rId20"/>
+    <p:sldId id="271" r:id="rId21"/>
+    <p:sldId id="272" r:id="rId22"/>
   </p:sldIdLst>
   <p:sldSz cx="12192000" cy="6858000"/>
   <p:notesSz cx="6858000" cy="9144000"/>
@@ -502,78 +503,251 @@
       </p:grpSpPr>
       <p:sp>
         <p:nvSpPr>
-          <p:cNvPr id="2" name="Slide Image Placeholder 1"/>
-          <p:cNvSpPr>
-            <a:spLocks noGrp="1" noRot="1" noChangeAspect="1"/>
+          <p:cNvPr id="37890" name="Rectangle 7"/>
+          <p:cNvSpPr>
+            <a:spLocks noGrp="1" noChangeArrowheads="1"/>
+          </p:cNvSpPr>
+          <p:nvPr>
+            <p:ph type="sldNum" sz="quarter" idx="5"/>
+          </p:nvPr>
+        </p:nvSpPr>
+        <p:spPr>
+          <a:noFill/>
+        </p:spPr>
+        <p:txBody>
+          <a:bodyPr/>
+          <a:lstStyle>
+            <a:lvl1pPr eaLnBrk="0" hangingPunct="0">
+              <a:defRPr sz="3600">
+                <a:solidFill>
+                  <a:schemeClr val="tx1"/>
+                </a:solidFill>
+                <a:latin typeface="Arial" pitchFamily="34" charset="0"/>
+              </a:defRPr>
+            </a:lvl1pPr>
+            <a:lvl2pPr marL="742950" indent="-285750" eaLnBrk="0" hangingPunct="0">
+              <a:defRPr sz="3600">
+                <a:solidFill>
+                  <a:schemeClr val="tx1"/>
+                </a:solidFill>
+                <a:latin typeface="Arial" pitchFamily="34" charset="0"/>
+              </a:defRPr>
+            </a:lvl2pPr>
+            <a:lvl3pPr marL="1143000" indent="-228600" eaLnBrk="0" hangingPunct="0">
+              <a:defRPr sz="3600">
+                <a:solidFill>
+                  <a:schemeClr val="tx1"/>
+                </a:solidFill>
+                <a:latin typeface="Arial" pitchFamily="34" charset="0"/>
+              </a:defRPr>
+            </a:lvl3pPr>
+            <a:lvl4pPr marL="1600200" indent="-228600" eaLnBrk="0" hangingPunct="0">
+              <a:defRPr sz="3600">
+                <a:solidFill>
+                  <a:schemeClr val="tx1"/>
+                </a:solidFill>
+                <a:latin typeface="Arial" pitchFamily="34" charset="0"/>
+              </a:defRPr>
+            </a:lvl4pPr>
+            <a:lvl5pPr marL="2057400" indent="-228600" eaLnBrk="0" hangingPunct="0">
+              <a:defRPr sz="3600">
+                <a:solidFill>
+                  <a:schemeClr val="tx1"/>
+                </a:solidFill>
+                <a:latin typeface="Arial" pitchFamily="34" charset="0"/>
+              </a:defRPr>
+            </a:lvl5pPr>
+            <a:lvl6pPr marL="2514600" indent="-228600" eaLnBrk="0" fontAlgn="base" hangingPunct="0">
+              <a:spcBef>
+                <a:spcPct val="0"/>
+              </a:spcBef>
+              <a:spcAft>
+                <a:spcPct val="0"/>
+              </a:spcAft>
+              <a:buClr>
+                <a:schemeClr val="bg1"/>
+              </a:buClr>
+              <a:buSzPct val="100000"/>
+              <a:buFont typeface="Wingdings" pitchFamily="2" charset="2"/>
+              <a:defRPr sz="3600">
+                <a:solidFill>
+                  <a:schemeClr val="tx1"/>
+                </a:solidFill>
+                <a:latin typeface="Arial" pitchFamily="34" charset="0"/>
+              </a:defRPr>
+            </a:lvl6pPr>
+            <a:lvl7pPr marL="2971800" indent="-228600" eaLnBrk="0" fontAlgn="base" hangingPunct="0">
+              <a:spcBef>
+                <a:spcPct val="0"/>
+              </a:spcBef>
+              <a:spcAft>
+                <a:spcPct val="0"/>
+              </a:spcAft>
+              <a:buClr>
+                <a:schemeClr val="bg1"/>
+              </a:buClr>
+              <a:buSzPct val="100000"/>
+              <a:buFont typeface="Wingdings" pitchFamily="2" charset="2"/>
+              <a:defRPr sz="3600">
+                <a:solidFill>
+                  <a:schemeClr val="tx1"/>
+                </a:solidFill>
+                <a:latin typeface="Arial" pitchFamily="34" charset="0"/>
+              </a:defRPr>
+            </a:lvl7pPr>
+            <a:lvl8pPr marL="3429000" indent="-228600" eaLnBrk="0" fontAlgn="base" hangingPunct="0">
+              <a:spcBef>
+                <a:spcPct val="0"/>
+              </a:spcBef>
+              <a:spcAft>
+                <a:spcPct val="0"/>
+              </a:spcAft>
+              <a:buClr>
+                <a:schemeClr val="bg1"/>
+              </a:buClr>
+              <a:buSzPct val="100000"/>
+              <a:buFont typeface="Wingdings" pitchFamily="2" charset="2"/>
+              <a:defRPr sz="3600">
+                <a:solidFill>
+                  <a:schemeClr val="tx1"/>
+                </a:solidFill>
+                <a:latin typeface="Arial" pitchFamily="34" charset="0"/>
+              </a:defRPr>
+            </a:lvl8pPr>
+            <a:lvl9pPr marL="3886200" indent="-228600" eaLnBrk="0" fontAlgn="base" hangingPunct="0">
+              <a:spcBef>
+                <a:spcPct val="0"/>
+              </a:spcBef>
+              <a:spcAft>
+                <a:spcPct val="0"/>
+              </a:spcAft>
+              <a:buClr>
+                <a:schemeClr val="bg1"/>
+              </a:buClr>
+              <a:buSzPct val="100000"/>
+              <a:buFont typeface="Wingdings" pitchFamily="2" charset="2"/>
+              <a:defRPr sz="3600">
+                <a:solidFill>
+                  <a:schemeClr val="tx1"/>
+                </a:solidFill>
+                <a:latin typeface="Arial" pitchFamily="34" charset="0"/>
+              </a:defRPr>
+            </a:lvl9pPr>
+          </a:lstStyle>
+          <a:p>
+            <a:pPr marL="0" marR="0" lvl="0" indent="0" algn="r" defTabSz="914400" rtl="0" eaLnBrk="1" fontAlgn="base" latinLnBrk="0" hangingPunct="1">
+              <a:lnSpc>
+                <a:spcPct val="100000"/>
+              </a:lnSpc>
+              <a:spcBef>
+                <a:spcPct val="0"/>
+              </a:spcBef>
+              <a:spcAft>
+                <a:spcPct val="0"/>
+              </a:spcAft>
+              <a:buClrTx/>
+              <a:buSzTx/>
+              <a:buFontTx/>
+              <a:buNone/>
+              <a:tabLst/>
+              <a:defRPr/>
+            </a:pPr>
+            <a:fld id="{43A58F6B-7778-447B-B0C8-A83E7DC9E979}" type="slidenum">
+              <a:rPr kumimoji="0" lang="en-US" sz="1200" b="0" i="0" u="none" strike="noStrike" kern="1200" cap="none" spc="0" normalizeH="0" baseline="0" noProof="0">
+                <a:ln>
+                  <a:noFill/>
+                </a:ln>
+                <a:solidFill>
+                  <a:srgbClr val="000000"/>
+                </a:solidFill>
+                <a:effectLst/>
+                <a:uLnTx/>
+                <a:uFillTx/>
+                <a:latin typeface="Times New Roman" pitchFamily="18" charset="0"/>
+                <a:ea typeface="+mn-ea"/>
+                <a:cs typeface="+mn-cs"/>
+              </a:rPr>
+              <a:pPr marL="0" marR="0" lvl="0" indent="0" algn="r" defTabSz="914400" rtl="0" eaLnBrk="1" fontAlgn="base" latinLnBrk="0" hangingPunct="1">
+                <a:lnSpc>
+                  <a:spcPct val="100000"/>
+                </a:lnSpc>
+                <a:spcBef>
+                  <a:spcPct val="0"/>
+                </a:spcBef>
+                <a:spcAft>
+                  <a:spcPct val="0"/>
+                </a:spcAft>
+                <a:buClrTx/>
+                <a:buSzTx/>
+                <a:buFontTx/>
+                <a:buNone/>
+                <a:tabLst/>
+                <a:defRPr/>
+              </a:pPr>
+              <a:t>1</a:t>
+            </a:fld>
+            <a:endParaRPr kumimoji="0" lang="en-US" sz="1200" b="0" i="0" u="none" strike="noStrike" kern="1200" cap="none" spc="0" normalizeH="0" baseline="0" noProof="0">
+              <a:ln>
+                <a:noFill/>
+              </a:ln>
+              <a:solidFill>
+                <a:srgbClr val="000000"/>
+              </a:solidFill>
+              <a:effectLst/>
+              <a:uLnTx/>
+              <a:uFillTx/>
+              <a:latin typeface="Times New Roman" pitchFamily="18" charset="0"/>
+              <a:ea typeface="+mn-ea"/>
+              <a:cs typeface="+mn-cs"/>
+            </a:endParaRPr>
+          </a:p>
+        </p:txBody>
+      </p:sp>
+      <p:sp>
+        <p:nvSpPr>
+          <p:cNvPr id="37891" name="Rectangle 1026"/>
+          <p:cNvSpPr>
+            <a:spLocks noGrp="1" noRot="1" noChangeAspect="1" noChangeArrowheads="1" noTextEdit="1"/>
           </p:cNvSpPr>
           <p:nvPr>
             <p:ph type="sldImg"/>
           </p:nvPr>
         </p:nvSpPr>
-        <p:spPr/>
-      </p:sp>
-      <p:sp>
-        <p:nvSpPr>
-          <p:cNvPr id="3" name="Notes Placeholder 2"/>
-          <p:cNvSpPr>
-            <a:spLocks noGrp="1"/>
+        <p:spPr>
+          <a:xfrm>
+            <a:off x="381000" y="684213"/>
+            <a:ext cx="6096000" cy="3429000"/>
+          </a:xfrm>
+          <a:ln/>
+        </p:spPr>
+      </p:sp>
+      <p:sp>
+        <p:nvSpPr>
+          <p:cNvPr id="37892" name="Rectangle 1027"/>
+          <p:cNvSpPr>
+            <a:spLocks noGrp="1" noChangeArrowheads="1"/>
           </p:cNvSpPr>
           <p:nvPr>
             <p:ph type="body" idx="1"/>
           </p:nvPr>
         </p:nvSpPr>
-        <p:spPr/>
+        <p:spPr>
+          <a:xfrm>
+            <a:off x="914400" y="4343400"/>
+            <a:ext cx="5029200" cy="4116388"/>
+          </a:xfrm>
+          <a:noFill/>
+        </p:spPr>
         <p:txBody>
           <a:bodyPr/>
           <a:lstStyle/>
           <a:p>
-            <a:r>
-              <a:rPr lang="en-US" dirty="0"/>
-              <a:t>Within an Organization Consent doesn’t tend to need to be managed in an Interoperable form</a:t>
-            </a:r>
-          </a:p>
-          <a:p>
-            <a:r>
-              <a:rPr lang="en-US" dirty="0"/>
-              <a:t>Privacy</a:t>
-            </a:r>
-            <a:r>
-              <a:rPr lang="en-US" baseline="0" dirty="0"/>
-              <a:t> Preferences – are patient authored preferences, thus are not enforceable. Consent should be based upon preferences.</a:t>
-            </a:r>
-            <a:endParaRPr lang="en-US" dirty="0"/>
-          </a:p>
-        </p:txBody>
-      </p:sp>
-      <p:sp>
-        <p:nvSpPr>
-          <p:cNvPr id="4" name="Slide Number Placeholder 3"/>
-          <p:cNvSpPr>
-            <a:spLocks noGrp="1"/>
-          </p:cNvSpPr>
-          <p:nvPr>
-            <p:ph type="sldNum" sz="quarter" idx="5"/>
-          </p:nvPr>
-        </p:nvSpPr>
-        <p:spPr/>
-        <p:txBody>
-          <a:bodyPr/>
-          <a:lstStyle/>
-          <a:p>
-            <a:fld id="{261EF482-84D7-4CEF-9547-C21C04852DBD}" type="slidenum">
-              <a:rPr lang="en-US" smtClean="0"/>
-              <a:t>3</a:t>
-            </a:fld>
-            <a:endParaRPr lang="en-US"/>
+            <a:pPr eaLnBrk="1" hangingPunct="1"/>
+            <a:endParaRPr lang="fr-FR"/>
           </a:p>
         </p:txBody>
       </p:sp>
     </p:spTree>
-    <p:extLst>
-      <p:ext uri="{BB962C8B-B14F-4D97-AF65-F5344CB8AC3E}">
-        <p14:creationId xmlns:p14="http://schemas.microsoft.com/office/powerpoint/2010/main" val="1133676692"/>
-      </p:ext>
-    </p:extLst>
   </p:cSld>
   <p:clrMapOvr>
     <a:masterClrMapping/>
@@ -627,23 +801,17 @@
           <a:p>
             <a:r>
               <a:rPr lang="en-US" dirty="0"/>
-              <a:t>Best known for XDS, XCA,</a:t>
+              <a:t>Within an Organization Consent doesn’t tend to need to be managed in an Interoperable form</a:t>
+            </a:r>
+          </a:p>
+          <a:p>
+            <a:r>
+              <a:rPr lang="en-US" dirty="0"/>
+              <a:t>Privacy</a:t>
             </a:r>
             <a:r>
               <a:rPr lang="en-US" baseline="0" dirty="0"/>
-              <a:t> and Radiology Scheduled Workflow</a:t>
-            </a:r>
-          </a:p>
-          <a:p>
-            <a:r>
-              <a:rPr lang="en-US" baseline="0" dirty="0"/>
-              <a:t>Many joint projects between HL7 and IHE: Health Story </a:t>
-            </a:r>
-            <a:r>
-              <a:rPr lang="en-US" baseline="0" dirty="0">
-                <a:sym typeface="Wingdings" panose="05000000000000000000" pitchFamily="2" charset="2"/>
-              </a:rPr>
-              <a:t> C-CDA</a:t>
+              <a:t> Preferences – are patient authored preferences, thus are not enforceable. Consent should be based upon preferences.</a:t>
             </a:r>
             <a:endParaRPr lang="en-US" dirty="0"/>
           </a:p>
@@ -666,7 +834,7 @@
           <a:p>
             <a:fld id="{261EF482-84D7-4CEF-9547-C21C04852DBD}" type="slidenum">
               <a:rPr lang="en-US" smtClean="0"/>
-              <a:t>4</a:t>
+              <a:t>3</a:t>
             </a:fld>
             <a:endParaRPr lang="en-US"/>
           </a:p>
@@ -675,7 +843,7 @@
     </p:spTree>
     <p:extLst>
       <p:ext uri="{BB962C8B-B14F-4D97-AF65-F5344CB8AC3E}">
-        <p14:creationId xmlns:p14="http://schemas.microsoft.com/office/powerpoint/2010/main" val="1164017105"/>
+        <p14:creationId xmlns:p14="http://schemas.microsoft.com/office/powerpoint/2010/main" val="1133676692"/>
       </p:ext>
     </p:extLst>
   </p:cSld>
@@ -731,11 +899,23 @@
           <a:p>
             <a:r>
               <a:rPr lang="en-US" dirty="0"/>
-              <a:t>Consent is fundamentally</a:t>
+              <a:t>Best known for XDS, XCA,</a:t>
             </a:r>
             <a:r>
               <a:rPr lang="en-US" baseline="0" dirty="0"/>
-              <a:t> based on some organizational declared policies - </a:t>
+              <a:t> and Radiology Scheduled Workflow</a:t>
+            </a:r>
+          </a:p>
+          <a:p>
+            <a:r>
+              <a:rPr lang="en-US" baseline="0" dirty="0"/>
+              <a:t>Many joint projects between HL7 and IHE: Health Story </a:t>
+            </a:r>
+            <a:r>
+              <a:rPr lang="en-US" baseline="0" dirty="0">
+                <a:sym typeface="Wingdings" panose="05000000000000000000" pitchFamily="2" charset="2"/>
+              </a:rPr>
+              <a:t> C-CDA</a:t>
             </a:r>
             <a:endParaRPr lang="en-US" dirty="0"/>
           </a:p>
@@ -758,7 +938,7 @@
           <a:p>
             <a:fld id="{261EF482-84D7-4CEF-9547-C21C04852DBD}" type="slidenum">
               <a:rPr lang="en-US" smtClean="0"/>
-              <a:t>6</a:t>
+              <a:t>4</a:t>
             </a:fld>
             <a:endParaRPr lang="en-US"/>
           </a:p>
@@ -767,7 +947,7 @@
     </p:spTree>
     <p:extLst>
       <p:ext uri="{BB962C8B-B14F-4D97-AF65-F5344CB8AC3E}">
-        <p14:creationId xmlns:p14="http://schemas.microsoft.com/office/powerpoint/2010/main" val="938954858"/>
+        <p14:creationId xmlns:p14="http://schemas.microsoft.com/office/powerpoint/2010/main" val="1164017105"/>
       </p:ext>
     </p:extLst>
   </p:cSld>
@@ -823,34 +1003,11 @@
           <a:p>
             <a:r>
               <a:rPr lang="en-US" dirty="0"/>
-              <a:t>Privacy Sensitive – stigmatizing, but also embarrassing, discrimination, or other that results in harm due to the</a:t>
+              <a:t>Consent is fundamentally</a:t>
             </a:r>
             <a:r>
               <a:rPr lang="en-US" baseline="0" dirty="0"/>
-              <a:t> data being exposed.</a:t>
-            </a:r>
-            <a:endParaRPr lang="en-US" dirty="0"/>
-          </a:p>
-          <a:p>
-            <a:r>
-              <a:rPr lang="en-US" dirty="0"/>
-              <a:t>During Publication is least overhead, but least</a:t>
-            </a:r>
-            <a:r>
-              <a:rPr lang="en-US" baseline="0" dirty="0"/>
-              <a:t> accurate and least able to deal with changing policies over time</a:t>
-            </a:r>
-          </a:p>
-          <a:p>
-            <a:r>
-              <a:rPr lang="en-US" baseline="0" dirty="0"/>
-              <a:t>During Use may interfere with performance, but impact may be able to be kept low</a:t>
-            </a:r>
-          </a:p>
-          <a:p>
-            <a:r>
-              <a:rPr lang="en-US" baseline="0" dirty="0"/>
-              <a:t>Hybrid – pre assess the data when that patient is registered; only pre assess data that has no current assessment</a:t>
+              <a:t> based on some organizational declared policies - </a:t>
             </a:r>
             <a:endParaRPr lang="en-US" dirty="0"/>
           </a:p>
@@ -873,7 +1030,7 @@
           <a:p>
             <a:fld id="{261EF482-84D7-4CEF-9547-C21C04852DBD}" type="slidenum">
               <a:rPr lang="en-US" smtClean="0"/>
-              <a:t>7</a:t>
+              <a:t>6</a:t>
             </a:fld>
             <a:endParaRPr lang="en-US"/>
           </a:p>
@@ -882,7 +1039,7 @@
     </p:spTree>
     <p:extLst>
       <p:ext uri="{BB962C8B-B14F-4D97-AF65-F5344CB8AC3E}">
-        <p14:creationId xmlns:p14="http://schemas.microsoft.com/office/powerpoint/2010/main" val="803982072"/>
+        <p14:creationId xmlns:p14="http://schemas.microsoft.com/office/powerpoint/2010/main" val="938954858"/>
       </p:ext>
     </p:extLst>
   </p:cSld>
@@ -938,31 +1095,34 @@
           <a:p>
             <a:r>
               <a:rPr lang="en-US" dirty="0"/>
-              <a:t>Left</a:t>
+              <a:t>Privacy Sensitive – stigmatizing, but also embarrassing, discrimination, or other that results in harm due to the</a:t>
             </a:r>
             <a:r>
               <a:rPr lang="en-US" baseline="0" dirty="0"/>
-              <a:t> – Capturing and Maintaining the Privacy Consent</a:t>
-            </a:r>
-          </a:p>
-          <a:p>
-            <a:pPr marL="171450" indent="-171450">
-              <a:buFontTx/>
-              <a:buChar char="-"/>
-            </a:pPr>
+              <a:t> data being exposed.</a:t>
+            </a:r>
+            <a:endParaRPr lang="en-US" dirty="0"/>
+          </a:p>
+          <a:p>
+            <a:r>
+              <a:rPr lang="en-US" dirty="0"/>
+              <a:t>During Publication is least overhead, but least</a:t>
+            </a:r>
             <a:r>
               <a:rPr lang="en-US" baseline="0" dirty="0"/>
-              <a:t>Out of scope, but critical, is the Consent Ceremony. The Consent Ceremony is based on the Policies, alternatives the policies allow, interaction with Privacy Preferences, and is highly reliant on the interaction with the Patient or their authorized delegate.</a:t>
-            </a:r>
-          </a:p>
-          <a:p>
-            <a:pPr marL="0" indent="0">
-              <a:buFontTx/>
-              <a:buNone/>
-            </a:pPr>
+              <a:t> accurate and least able to deal with changing policies over time</a:t>
+            </a:r>
+          </a:p>
+          <a:p>
             <a:r>
               <a:rPr lang="en-US" baseline="0" dirty="0"/>
-              <a:t>Right Side is how the Consent influences any application or user interacting with that Patient’s data</a:t>
+              <a:t>During Use may interfere with performance, but impact may be able to be kept low</a:t>
+            </a:r>
+          </a:p>
+          <a:p>
+            <a:r>
+              <a:rPr lang="en-US" baseline="0" dirty="0"/>
+              <a:t>Hybrid – pre assess the data when that patient is registered; only pre assess data that has no current assessment</a:t>
             </a:r>
             <a:endParaRPr lang="en-US" dirty="0"/>
           </a:p>
@@ -985,7 +1145,7 @@
           <a:p>
             <a:fld id="{261EF482-84D7-4CEF-9547-C21C04852DBD}" type="slidenum">
               <a:rPr lang="en-US" smtClean="0"/>
-              <a:t>10</a:t>
+              <a:t>7</a:t>
             </a:fld>
             <a:endParaRPr lang="en-US"/>
           </a:p>
@@ -994,7 +1154,7 @@
     </p:spTree>
     <p:extLst>
       <p:ext uri="{BB962C8B-B14F-4D97-AF65-F5344CB8AC3E}">
-        <p14:creationId xmlns:p14="http://schemas.microsoft.com/office/powerpoint/2010/main" val="3103770846"/>
+        <p14:creationId xmlns:p14="http://schemas.microsoft.com/office/powerpoint/2010/main" val="803982072"/>
       </p:ext>
     </p:extLst>
   </p:cSld>
@@ -1050,11 +1210,31 @@
           <a:p>
             <a:r>
               <a:rPr lang="en-US" dirty="0"/>
-              <a:t>Volume 3</a:t>
+              <a:t>Left</a:t>
             </a:r>
             <a:r>
               <a:rPr lang="en-US" baseline="0" dirty="0"/>
-              <a:t> has profiles on Consent, and Examples of each</a:t>
+              <a:t> – Capturing and Maintaining the Privacy Consent</a:t>
+            </a:r>
+          </a:p>
+          <a:p>
+            <a:pPr marL="171450" indent="-171450">
+              <a:buFontTx/>
+              <a:buChar char="-"/>
+            </a:pPr>
+            <a:r>
+              <a:rPr lang="en-US" baseline="0" dirty="0"/>
+              <a:t>Out of scope, but critical, is the Consent Ceremony. The Consent Ceremony is based on the Policies, alternatives the policies allow, interaction with Privacy Preferences, and is highly reliant on the interaction with the Patient or their authorized delegate.</a:t>
+            </a:r>
+          </a:p>
+          <a:p>
+            <a:pPr marL="0" indent="0">
+              <a:buFontTx/>
+              <a:buNone/>
+            </a:pPr>
+            <a:r>
+              <a:rPr lang="en-US" baseline="0" dirty="0"/>
+              <a:t>Right Side is how the Consent influences any application or user interacting with that Patient’s data</a:t>
             </a:r>
             <a:endParaRPr lang="en-US" dirty="0"/>
           </a:p>
@@ -1077,7 +1257,7 @@
           <a:p>
             <a:fld id="{261EF482-84D7-4CEF-9547-C21C04852DBD}" type="slidenum">
               <a:rPr lang="en-US" smtClean="0"/>
-              <a:t>14</a:t>
+              <a:t>10</a:t>
             </a:fld>
             <a:endParaRPr lang="en-US"/>
           </a:p>
@@ -1086,7 +1266,7 @@
     </p:spTree>
     <p:extLst>
       <p:ext uri="{BB962C8B-B14F-4D97-AF65-F5344CB8AC3E}">
-        <p14:creationId xmlns:p14="http://schemas.microsoft.com/office/powerpoint/2010/main" val="3910625063"/>
+        <p14:creationId xmlns:p14="http://schemas.microsoft.com/office/powerpoint/2010/main" val="3103770846"/>
       </p:ext>
     </p:extLst>
   </p:cSld>
@@ -1142,6 +1322,98 @@
           <a:p>
             <a:r>
               <a:rPr lang="en-US" dirty="0"/>
+              <a:t>Volume 3</a:t>
+            </a:r>
+            <a:r>
+              <a:rPr lang="en-US" baseline="0" dirty="0"/>
+              <a:t> has profiles on Consent, and Examples of each</a:t>
+            </a:r>
+            <a:endParaRPr lang="en-US" dirty="0"/>
+          </a:p>
+        </p:txBody>
+      </p:sp>
+      <p:sp>
+        <p:nvSpPr>
+          <p:cNvPr id="4" name="Slide Number Placeholder 3"/>
+          <p:cNvSpPr>
+            <a:spLocks noGrp="1"/>
+          </p:cNvSpPr>
+          <p:nvPr>
+            <p:ph type="sldNum" sz="quarter" idx="5"/>
+          </p:nvPr>
+        </p:nvSpPr>
+        <p:spPr/>
+        <p:txBody>
+          <a:bodyPr/>
+          <a:lstStyle/>
+          <a:p>
+            <a:fld id="{261EF482-84D7-4CEF-9547-C21C04852DBD}" type="slidenum">
+              <a:rPr lang="en-US" smtClean="0"/>
+              <a:t>14</a:t>
+            </a:fld>
+            <a:endParaRPr lang="en-US"/>
+          </a:p>
+        </p:txBody>
+      </p:sp>
+    </p:spTree>
+    <p:extLst>
+      <p:ext uri="{BB962C8B-B14F-4D97-AF65-F5344CB8AC3E}">
+        <p14:creationId xmlns:p14="http://schemas.microsoft.com/office/powerpoint/2010/main" val="3910625063"/>
+      </p:ext>
+    </p:extLst>
+  </p:cSld>
+  <p:clrMapOvr>
+    <a:masterClrMapping/>
+  </p:clrMapOvr>
+</p:notes>
+</file>
+
+<file path=ppt/notesSlides/notesSlide8.xml><?xml version="1.0" encoding="utf-8"?>
+<p:notes xmlns:a="http://schemas.openxmlformats.org/drawingml/2006/main" xmlns:r="http://schemas.openxmlformats.org/officeDocument/2006/relationships" xmlns:p="http://schemas.openxmlformats.org/presentationml/2006/main">
+  <p:cSld>
+    <p:spTree>
+      <p:nvGrpSpPr>
+        <p:cNvPr id="1" name=""/>
+        <p:cNvGrpSpPr/>
+        <p:nvPr/>
+      </p:nvGrpSpPr>
+      <p:grpSpPr>
+        <a:xfrm>
+          <a:off x="0" y="0"/>
+          <a:ext cx="0" cy="0"/>
+          <a:chOff x="0" y="0"/>
+          <a:chExt cx="0" cy="0"/>
+        </a:xfrm>
+      </p:grpSpPr>
+      <p:sp>
+        <p:nvSpPr>
+          <p:cNvPr id="2" name="Slide Image Placeholder 1"/>
+          <p:cNvSpPr>
+            <a:spLocks noGrp="1" noRot="1" noChangeAspect="1"/>
+          </p:cNvSpPr>
+          <p:nvPr>
+            <p:ph type="sldImg"/>
+          </p:nvPr>
+        </p:nvSpPr>
+        <p:spPr/>
+      </p:sp>
+      <p:sp>
+        <p:nvSpPr>
+          <p:cNvPr id="3" name="Notes Placeholder 2"/>
+          <p:cNvSpPr>
+            <a:spLocks noGrp="1"/>
+          </p:cNvSpPr>
+          <p:nvPr>
+            <p:ph type="body" idx="1"/>
+          </p:nvPr>
+        </p:nvSpPr>
+        <p:spPr/>
+        <p:txBody>
+          <a:bodyPr/>
+          <a:lstStyle/>
+          <a:p>
+            <a:r>
+              <a:rPr lang="en-US" dirty="0"/>
               <a:t>Diagram clipped</a:t>
             </a:r>
             <a:r>
@@ -1188,7 +1460,7 @@
 </p:notes>
 </file>
 
-<file path=ppt/notesSlides/notesSlide8.xml><?xml version="1.0" encoding="utf-8"?>
+<file path=ppt/notesSlides/notesSlide9.xml><?xml version="1.0" encoding="utf-8"?>
 <p:notes xmlns:a="http://schemas.openxmlformats.org/drawingml/2006/main" xmlns:r="http://schemas.openxmlformats.org/officeDocument/2006/relationships" xmlns:p="http://schemas.openxmlformats.org/presentationml/2006/main">
   <p:cSld>
     <p:spTree>
@@ -1918,6 +2190,1978 @@
 </p:sldLayout>
 </file>
 
+<file path=ppt/slideLayouts/slideLayout12.xml><?xml version="1.0" encoding="utf-8"?>
+<p:sldLayout xmlns:a="http://schemas.openxmlformats.org/drawingml/2006/main" xmlns:r="http://schemas.openxmlformats.org/officeDocument/2006/relationships" xmlns:p="http://schemas.openxmlformats.org/presentationml/2006/main" showMasterSp="0" type="title" preserve="1">
+  <p:cSld name="Title Slide">
+    <p:bg>
+      <p:bgPr>
+        <a:solidFill>
+          <a:srgbClr val="6666FF"/>
+        </a:solidFill>
+        <a:effectLst/>
+      </p:bgPr>
+    </p:bg>
+    <p:spTree>
+      <p:nvGrpSpPr>
+        <p:cNvPr id="1" name=""/>
+        <p:cNvGrpSpPr/>
+        <p:nvPr/>
+      </p:nvGrpSpPr>
+      <p:grpSpPr>
+        <a:xfrm>
+          <a:off x="0" y="0"/>
+          <a:ext cx="0" cy="0"/>
+          <a:chOff x="0" y="0"/>
+          <a:chExt cx="0" cy="0"/>
+        </a:xfrm>
+      </p:grpSpPr>
+      <p:pic>
+        <p:nvPicPr>
+          <p:cNvPr id="4" name="Picture 19" descr="PowerPoint_bkgrd_lores"/>
+          <p:cNvPicPr>
+            <a:picLocks noChangeAspect="1" noChangeArrowheads="1"/>
+          </p:cNvPicPr>
+          <p:nvPr userDrawn="1"/>
+        </p:nvPicPr>
+        <p:blipFill>
+          <a:blip r:embed="rId2">
+            <a:extLst>
+              <a:ext uri="{28A0092B-C50C-407E-A947-70E740481C1C}">
+                <a14:useLocalDpi xmlns:a14="http://schemas.microsoft.com/office/drawing/2010/main" val="0"/>
+              </a:ext>
+            </a:extLst>
+          </a:blip>
+          <a:srcRect/>
+          <a:stretch>
+            <a:fillRect/>
+          </a:stretch>
+        </p:blipFill>
+        <p:spPr bwMode="auto">
+          <a:xfrm>
+            <a:off x="0" y="0"/>
+            <a:ext cx="12192000" cy="6858000"/>
+          </a:xfrm>
+          <a:prstGeom prst="rect">
+            <a:avLst/>
+          </a:prstGeom>
+          <a:noFill/>
+          <a:ln>
+            <a:noFill/>
+          </a:ln>
+          <a:extLst>
+            <a:ext uri="{909E8E84-426E-40DD-AFC4-6F175D3DCCD1}">
+              <a14:hiddenFill xmlns:a14="http://schemas.microsoft.com/office/drawing/2010/main">
+                <a:solidFill>
+                  <a:srgbClr val="FFFFFF"/>
+                </a:solidFill>
+              </a14:hiddenFill>
+            </a:ext>
+            <a:ext uri="{91240B29-F687-4F45-9708-019B960494DF}">
+              <a14:hiddenLine xmlns:a14="http://schemas.microsoft.com/office/drawing/2010/main" w="9525">
+                <a:solidFill>
+                  <a:srgbClr val="000000"/>
+                </a:solidFill>
+                <a:miter lim="800000"/>
+                <a:headEnd/>
+                <a:tailEnd/>
+              </a14:hiddenLine>
+            </a:ext>
+          </a:extLst>
+        </p:spPr>
+      </p:pic>
+      <p:pic>
+        <p:nvPicPr>
+          <p:cNvPr id="5" name="Picture 20" descr="ihe logo-with-TM-transparent-small"/>
+          <p:cNvPicPr>
+            <a:picLocks noChangeAspect="1" noChangeArrowheads="1"/>
+          </p:cNvPicPr>
+          <p:nvPr userDrawn="1"/>
+        </p:nvPicPr>
+        <p:blipFill>
+          <a:blip r:embed="rId3">
+            <a:extLst>
+              <a:ext uri="{28A0092B-C50C-407E-A947-70E740481C1C}">
+                <a14:useLocalDpi xmlns:a14="http://schemas.microsoft.com/office/drawing/2010/main" val="0"/>
+              </a:ext>
+            </a:extLst>
+          </a:blip>
+          <a:srcRect/>
+          <a:stretch>
+            <a:fillRect/>
+          </a:stretch>
+        </p:blipFill>
+        <p:spPr bwMode="auto">
+          <a:xfrm>
+            <a:off x="9347200" y="5224464"/>
+            <a:ext cx="2133600" cy="1023937"/>
+          </a:xfrm>
+          <a:prstGeom prst="rect">
+            <a:avLst/>
+          </a:prstGeom>
+          <a:noFill/>
+          <a:ln>
+            <a:noFill/>
+          </a:ln>
+          <a:extLst>
+            <a:ext uri="{909E8E84-426E-40DD-AFC4-6F175D3DCCD1}">
+              <a14:hiddenFill xmlns:a14="http://schemas.microsoft.com/office/drawing/2010/main">
+                <a:solidFill>
+                  <a:srgbClr val="FFFFFF"/>
+                </a:solidFill>
+              </a14:hiddenFill>
+            </a:ext>
+            <a:ext uri="{91240B29-F687-4F45-9708-019B960494DF}">
+              <a14:hiddenLine xmlns:a14="http://schemas.microsoft.com/office/drawing/2010/main" w="9525">
+                <a:solidFill>
+                  <a:srgbClr val="000000"/>
+                </a:solidFill>
+                <a:miter lim="800000"/>
+                <a:headEnd/>
+                <a:tailEnd/>
+              </a14:hiddenLine>
+            </a:ext>
+          </a:extLst>
+        </p:spPr>
+      </p:pic>
+      <p:sp>
+        <p:nvSpPr>
+          <p:cNvPr id="6" name="Rectangle 11"/>
+          <p:cNvSpPr>
+            <a:spLocks noChangeArrowheads="1"/>
+          </p:cNvSpPr>
+          <p:nvPr/>
+        </p:nvSpPr>
+        <p:spPr bwMode="auto">
+          <a:xfrm>
+            <a:off x="304800" y="6357938"/>
+            <a:ext cx="2540000" cy="457200"/>
+          </a:xfrm>
+          <a:prstGeom prst="rect">
+            <a:avLst/>
+          </a:prstGeom>
+          <a:noFill/>
+          <a:ln>
+            <a:noFill/>
+          </a:ln>
+          <a:effectLst/>
+          <a:extLst>
+            <a:ext uri="{909E8E84-426E-40DD-AFC4-6F175D3DCCD1}">
+              <a14:hiddenFill xmlns:a14="http://schemas.microsoft.com/office/drawing/2010/main">
+                <a:solidFill>
+                  <a:schemeClr val="accent1"/>
+                </a:solidFill>
+              </a14:hiddenFill>
+            </a:ext>
+            <a:ext uri="{91240B29-F687-4F45-9708-019B960494DF}">
+              <a14:hiddenLine xmlns:a14="http://schemas.microsoft.com/office/drawing/2010/main" w="9525">
+                <a:solidFill>
+                  <a:schemeClr val="tx1"/>
+                </a:solidFill>
+                <a:miter lim="800000"/>
+                <a:headEnd/>
+                <a:tailEnd/>
+              </a14:hiddenLine>
+            </a:ext>
+            <a:ext uri="{AF507438-7753-43E0-B8FC-AC1667EBCBE1}">
+              <a14:hiddenEffects xmlns:a14="http://schemas.microsoft.com/office/drawing/2010/main">
+                <a:effectLst>
+                  <a:outerShdw dist="35921" dir="2700000" algn="ctr" rotWithShape="0">
+                    <a:schemeClr val="bg2"/>
+                  </a:outerShdw>
+                </a:effectLst>
+              </a14:hiddenEffects>
+            </a:ext>
+          </a:extLst>
+        </p:spPr>
+        <p:txBody>
+          <a:bodyPr lIns="92075" tIns="46038" rIns="92075" bIns="46038" anchor="ctr"/>
+          <a:lstStyle/>
+          <a:p>
+            <a:pPr>
+              <a:buClrTx/>
+              <a:buSzTx/>
+              <a:buFontTx/>
+              <a:buNone/>
+            </a:pPr>
+            <a:r>
+              <a:rPr lang="en-US" sz="1400">
+                <a:effectLst/>
+                <a:latin typeface="Times New Roman" pitchFamily="18" charset="0"/>
+              </a:rPr>
+              <a:t>March, 2012</a:t>
+            </a:r>
+          </a:p>
+        </p:txBody>
+      </p:sp>
+      <p:sp>
+        <p:nvSpPr>
+          <p:cNvPr id="7" name="Rectangle 12"/>
+          <p:cNvSpPr>
+            <a:spLocks noChangeArrowheads="1"/>
+          </p:cNvSpPr>
+          <p:nvPr/>
+        </p:nvSpPr>
+        <p:spPr bwMode="auto">
+          <a:xfrm>
+            <a:off x="8331200" y="6357938"/>
+            <a:ext cx="3860800" cy="457200"/>
+          </a:xfrm>
+          <a:prstGeom prst="rect">
+            <a:avLst/>
+          </a:prstGeom>
+          <a:noFill/>
+          <a:ln>
+            <a:noFill/>
+          </a:ln>
+          <a:effectLst/>
+          <a:extLst>
+            <a:ext uri="{909E8E84-426E-40DD-AFC4-6F175D3DCCD1}">
+              <a14:hiddenFill xmlns:a14="http://schemas.microsoft.com/office/drawing/2010/main">
+                <a:solidFill>
+                  <a:schemeClr val="accent1"/>
+                </a:solidFill>
+              </a14:hiddenFill>
+            </a:ext>
+            <a:ext uri="{91240B29-F687-4F45-9708-019B960494DF}">
+              <a14:hiddenLine xmlns:a14="http://schemas.microsoft.com/office/drawing/2010/main" w="9525">
+                <a:solidFill>
+                  <a:schemeClr val="tx1"/>
+                </a:solidFill>
+                <a:miter lim="800000"/>
+                <a:headEnd/>
+                <a:tailEnd/>
+              </a14:hiddenLine>
+            </a:ext>
+            <a:ext uri="{AF507438-7753-43E0-B8FC-AC1667EBCBE1}">
+              <a14:hiddenEffects xmlns:a14="http://schemas.microsoft.com/office/drawing/2010/main">
+                <a:effectLst>
+                  <a:outerShdw dist="35921" dir="2700000" algn="ctr" rotWithShape="0">
+                    <a:schemeClr val="bg2"/>
+                  </a:outerShdw>
+                </a:effectLst>
+              </a14:hiddenEffects>
+            </a:ext>
+          </a:extLst>
+        </p:spPr>
+        <p:txBody>
+          <a:bodyPr lIns="92075" tIns="46038" rIns="92075" bIns="46038" anchor="ctr"/>
+          <a:lstStyle/>
+          <a:p>
+            <a:pPr algn="ctr">
+              <a:buClrTx/>
+              <a:buSzTx/>
+              <a:buFontTx/>
+              <a:buNone/>
+            </a:pPr>
+            <a:r>
+              <a:rPr lang="en-US" sz="1400">
+                <a:effectLst/>
+                <a:latin typeface="Times New Roman" pitchFamily="18" charset="0"/>
+              </a:rPr>
+              <a:t>What IHE Delivers</a:t>
+            </a:r>
+          </a:p>
+        </p:txBody>
+      </p:sp>
+      <p:sp>
+        <p:nvSpPr>
+          <p:cNvPr id="293893" name="Rectangle 5"/>
+          <p:cNvSpPr>
+            <a:spLocks noGrp="1" noChangeArrowheads="1"/>
+          </p:cNvSpPr>
+          <p:nvPr>
+            <p:ph type="ctrTitle" sz="quarter"/>
+          </p:nvPr>
+        </p:nvSpPr>
+        <p:spPr>
+          <a:xfrm>
+            <a:off x="914400" y="2286000"/>
+            <a:ext cx="10363200" cy="1143000"/>
+          </a:xfrm>
+          <a:extLst>
+            <a:ext uri="{909E8E84-426E-40DD-AFC4-6F175D3DCCD1}">
+              <a14:hiddenFill xmlns:a14="http://schemas.microsoft.com/office/drawing/2010/main">
+                <a:solidFill>
+                  <a:schemeClr val="accent1"/>
+                </a:solidFill>
+              </a14:hiddenFill>
+            </a:ext>
+          </a:extLst>
+        </p:spPr>
+        <p:txBody>
+          <a:bodyPr anchor="b"/>
+          <a:lstStyle>
+            <a:lvl1pPr>
+              <a:defRPr>
+                <a:solidFill>
+                  <a:schemeClr val="tx1"/>
+                </a:solidFill>
+              </a:defRPr>
+            </a:lvl1pPr>
+          </a:lstStyle>
+          <a:p>
+            <a:pPr lvl="0"/>
+            <a:r>
+              <a:rPr lang="en-US" noProof="0"/>
+              <a:t>Click to edit Master title style</a:t>
+            </a:r>
+          </a:p>
+        </p:txBody>
+      </p:sp>
+      <p:sp>
+        <p:nvSpPr>
+          <p:cNvPr id="293894" name="Rectangle 6"/>
+          <p:cNvSpPr>
+            <a:spLocks noGrp="1" noChangeArrowheads="1"/>
+          </p:cNvSpPr>
+          <p:nvPr>
+            <p:ph type="subTitle" sz="quarter" idx="1"/>
+          </p:nvPr>
+        </p:nvSpPr>
+        <p:spPr>
+          <a:xfrm>
+            <a:off x="508000" y="5257800"/>
+            <a:ext cx="8534400" cy="990600"/>
+          </a:xfrm>
+        </p:spPr>
+        <p:txBody>
+          <a:bodyPr lIns="92075" tIns="46038" rIns="92075" bIns="46038" anchor="ctr"/>
+          <a:lstStyle>
+            <a:lvl1pPr marL="0" indent="0">
+              <a:buFont typeface="Wingdings" pitchFamily="2" charset="2"/>
+              <a:buNone/>
+              <a:defRPr sz="2400">
+                <a:solidFill>
+                  <a:srgbClr val="FF9900"/>
+                </a:solidFill>
+                <a:effectLst>
+                  <a:outerShdw blurRad="38100" dist="38100" dir="2700000" algn="tl">
+                    <a:srgbClr val="000000"/>
+                  </a:outerShdw>
+                </a:effectLst>
+              </a:defRPr>
+            </a:lvl1pPr>
+          </a:lstStyle>
+          <a:p>
+            <a:pPr lvl="0"/>
+            <a:r>
+              <a:rPr lang="en-US" noProof="0"/>
+              <a:t>Click to edit Master subtitle style</a:t>
+            </a:r>
+          </a:p>
+        </p:txBody>
+      </p:sp>
+      <p:sp>
+        <p:nvSpPr>
+          <p:cNvPr id="8" name="Rectangle 9"/>
+          <p:cNvSpPr>
+            <a:spLocks noGrp="1" noChangeArrowheads="1"/>
+          </p:cNvSpPr>
+          <p:nvPr>
+            <p:ph type="sldNum" sz="quarter" idx="10"/>
+          </p:nvPr>
+        </p:nvSpPr>
+        <p:spPr>
+          <a:xfrm>
+            <a:off x="4978400" y="6357938"/>
+            <a:ext cx="1727200" cy="457200"/>
+          </a:xfrm>
+        </p:spPr>
+        <p:txBody>
+          <a:bodyPr/>
+          <a:lstStyle>
+            <a:lvl1pPr>
+              <a:defRPr smtClean="0">
+                <a:latin typeface="+mn-lt"/>
+              </a:defRPr>
+            </a:lvl1pPr>
+          </a:lstStyle>
+          <a:p>
+            <a:pPr>
+              <a:defRPr/>
+            </a:pPr>
+            <a:fld id="{9BCE99C4-6714-460A-89BC-25651D625953}" type="slidenum">
+              <a:rPr lang="en-US"/>
+              <a:pPr>
+                <a:defRPr/>
+              </a:pPr>
+              <a:t>‹#›</a:t>
+            </a:fld>
+            <a:endParaRPr lang="en-US"/>
+          </a:p>
+        </p:txBody>
+      </p:sp>
+    </p:spTree>
+    <p:extLst>
+      <p:ext uri="{BB962C8B-B14F-4D97-AF65-F5344CB8AC3E}">
+        <p14:creationId xmlns:p14="http://schemas.microsoft.com/office/powerpoint/2010/main" val="363749789"/>
+      </p:ext>
+    </p:extLst>
+  </p:cSld>
+  <p:clrMapOvr>
+    <a:masterClrMapping/>
+  </p:clrMapOvr>
+</p:sldLayout>
+</file>
+
+<file path=ppt/slideLayouts/slideLayout13.xml><?xml version="1.0" encoding="utf-8"?>
+<p:sldLayout xmlns:a="http://schemas.openxmlformats.org/drawingml/2006/main" xmlns:r="http://schemas.openxmlformats.org/officeDocument/2006/relationships" xmlns:p="http://schemas.openxmlformats.org/presentationml/2006/main" type="obj" preserve="1">
+  <p:cSld name="Title and Content">
+    <p:spTree>
+      <p:nvGrpSpPr>
+        <p:cNvPr id="1" name=""/>
+        <p:cNvGrpSpPr/>
+        <p:nvPr/>
+      </p:nvGrpSpPr>
+      <p:grpSpPr>
+        <a:xfrm>
+          <a:off x="0" y="0"/>
+          <a:ext cx="0" cy="0"/>
+          <a:chOff x="0" y="0"/>
+          <a:chExt cx="0" cy="0"/>
+        </a:xfrm>
+      </p:grpSpPr>
+      <p:sp>
+        <p:nvSpPr>
+          <p:cNvPr id="2" name="Title 1"/>
+          <p:cNvSpPr>
+            <a:spLocks noGrp="1"/>
+          </p:cNvSpPr>
+          <p:nvPr>
+            <p:ph type="title"/>
+          </p:nvPr>
+        </p:nvSpPr>
+        <p:spPr/>
+        <p:txBody>
+          <a:bodyPr/>
+          <a:lstStyle/>
+          <a:p>
+            <a:r>
+              <a:rPr lang="en-US"/>
+              <a:t>Click to edit Master title style</a:t>
+            </a:r>
+          </a:p>
+        </p:txBody>
+      </p:sp>
+      <p:sp>
+        <p:nvSpPr>
+          <p:cNvPr id="3" name="Content Placeholder 2"/>
+          <p:cNvSpPr>
+            <a:spLocks noGrp="1"/>
+          </p:cNvSpPr>
+          <p:nvPr>
+            <p:ph idx="1"/>
+          </p:nvPr>
+        </p:nvSpPr>
+        <p:spPr/>
+        <p:txBody>
+          <a:bodyPr/>
+          <a:lstStyle/>
+          <a:p>
+            <a:pPr lvl="0"/>
+            <a:r>
+              <a:rPr lang="en-US"/>
+              <a:t>Click to edit Master text styles</a:t>
+            </a:r>
+          </a:p>
+          <a:p>
+            <a:pPr lvl="1"/>
+            <a:r>
+              <a:rPr lang="en-US"/>
+              <a:t>Second level</a:t>
+            </a:r>
+          </a:p>
+          <a:p>
+            <a:pPr lvl="2"/>
+            <a:r>
+              <a:rPr lang="en-US"/>
+              <a:t>Third level</a:t>
+            </a:r>
+          </a:p>
+          <a:p>
+            <a:pPr lvl="3"/>
+            <a:r>
+              <a:rPr lang="en-US"/>
+              <a:t>Fourth level</a:t>
+            </a:r>
+          </a:p>
+          <a:p>
+            <a:pPr lvl="4"/>
+            <a:r>
+              <a:rPr lang="en-US"/>
+              <a:t>Fifth level</a:t>
+            </a:r>
+          </a:p>
+        </p:txBody>
+      </p:sp>
+      <p:sp>
+        <p:nvSpPr>
+          <p:cNvPr id="4" name="Date Placeholder 3"/>
+          <p:cNvSpPr>
+            <a:spLocks noGrp="1"/>
+          </p:cNvSpPr>
+          <p:nvPr>
+            <p:ph type="dt" sz="quarter" idx="10"/>
+          </p:nvPr>
+        </p:nvSpPr>
+        <p:spPr/>
+        <p:txBody>
+          <a:bodyPr/>
+          <a:lstStyle>
+            <a:lvl1pPr>
+              <a:defRPr dirty="0" smtClean="0"/>
+            </a:lvl1pPr>
+          </a:lstStyle>
+          <a:p>
+            <a:pPr>
+              <a:defRPr/>
+            </a:pPr>
+            <a:r>
+              <a:rPr lang="en-US"/>
+              <a:t>March, 2012</a:t>
+            </a:r>
+          </a:p>
+        </p:txBody>
+      </p:sp>
+      <p:sp>
+        <p:nvSpPr>
+          <p:cNvPr id="5" name="Slide Number Placeholder 4"/>
+          <p:cNvSpPr>
+            <a:spLocks noGrp="1"/>
+          </p:cNvSpPr>
+          <p:nvPr>
+            <p:ph type="sldNum" sz="quarter" idx="11"/>
+          </p:nvPr>
+        </p:nvSpPr>
+        <p:spPr/>
+        <p:txBody>
+          <a:bodyPr/>
+          <a:lstStyle>
+            <a:lvl1pPr>
+              <a:defRPr smtClean="0"/>
+            </a:lvl1pPr>
+          </a:lstStyle>
+          <a:p>
+            <a:pPr>
+              <a:defRPr/>
+            </a:pPr>
+            <a:fld id="{7D9C22DB-F849-4B1E-AFFA-4908EAC4C26B}" type="slidenum">
+              <a:rPr lang="en-US"/>
+              <a:pPr>
+                <a:defRPr/>
+              </a:pPr>
+              <a:t>‹#›</a:t>
+            </a:fld>
+            <a:endParaRPr lang="en-US"/>
+          </a:p>
+        </p:txBody>
+      </p:sp>
+    </p:spTree>
+    <p:extLst>
+      <p:ext uri="{BB962C8B-B14F-4D97-AF65-F5344CB8AC3E}">
+        <p14:creationId xmlns:p14="http://schemas.microsoft.com/office/powerpoint/2010/main" val="838727465"/>
+      </p:ext>
+    </p:extLst>
+  </p:cSld>
+  <p:clrMapOvr>
+    <a:masterClrMapping/>
+  </p:clrMapOvr>
+</p:sldLayout>
+</file>
+
+<file path=ppt/slideLayouts/slideLayout14.xml><?xml version="1.0" encoding="utf-8"?>
+<p:sldLayout xmlns:a="http://schemas.openxmlformats.org/drawingml/2006/main" xmlns:r="http://schemas.openxmlformats.org/officeDocument/2006/relationships" xmlns:p="http://schemas.openxmlformats.org/presentationml/2006/main" type="secHead" preserve="1">
+  <p:cSld name="Section Header">
+    <p:spTree>
+      <p:nvGrpSpPr>
+        <p:cNvPr id="1" name=""/>
+        <p:cNvGrpSpPr/>
+        <p:nvPr/>
+      </p:nvGrpSpPr>
+      <p:grpSpPr>
+        <a:xfrm>
+          <a:off x="0" y="0"/>
+          <a:ext cx="0" cy="0"/>
+          <a:chOff x="0" y="0"/>
+          <a:chExt cx="0" cy="0"/>
+        </a:xfrm>
+      </p:grpSpPr>
+      <p:sp>
+        <p:nvSpPr>
+          <p:cNvPr id="2" name="Title 1"/>
+          <p:cNvSpPr>
+            <a:spLocks noGrp="1"/>
+          </p:cNvSpPr>
+          <p:nvPr>
+            <p:ph type="title"/>
+          </p:nvPr>
+        </p:nvSpPr>
+        <p:spPr>
+          <a:xfrm>
+            <a:off x="963084" y="4406901"/>
+            <a:ext cx="10363200" cy="1362075"/>
+          </a:xfrm>
+        </p:spPr>
+        <p:txBody>
+          <a:bodyPr anchor="t"/>
+          <a:lstStyle>
+            <a:lvl1pPr algn="l">
+              <a:defRPr sz="4000" b="1" cap="all"/>
+            </a:lvl1pPr>
+          </a:lstStyle>
+          <a:p>
+            <a:r>
+              <a:rPr lang="en-US"/>
+              <a:t>Click to edit Master title style</a:t>
+            </a:r>
+          </a:p>
+        </p:txBody>
+      </p:sp>
+      <p:sp>
+        <p:nvSpPr>
+          <p:cNvPr id="3" name="Text Placeholder 2"/>
+          <p:cNvSpPr>
+            <a:spLocks noGrp="1"/>
+          </p:cNvSpPr>
+          <p:nvPr>
+            <p:ph type="body" idx="1"/>
+          </p:nvPr>
+        </p:nvSpPr>
+        <p:spPr>
+          <a:xfrm>
+            <a:off x="963084" y="2906713"/>
+            <a:ext cx="10363200" cy="1500187"/>
+          </a:xfrm>
+        </p:spPr>
+        <p:txBody>
+          <a:bodyPr anchor="b"/>
+          <a:lstStyle>
+            <a:lvl1pPr marL="0" indent="0">
+              <a:buNone/>
+              <a:defRPr sz="2000"/>
+            </a:lvl1pPr>
+            <a:lvl2pPr marL="457200" indent="0">
+              <a:buNone/>
+              <a:defRPr sz="1800"/>
+            </a:lvl2pPr>
+            <a:lvl3pPr marL="914400" indent="0">
+              <a:buNone/>
+              <a:defRPr sz="1600"/>
+            </a:lvl3pPr>
+            <a:lvl4pPr marL="1371600" indent="0">
+              <a:buNone/>
+              <a:defRPr sz="1400"/>
+            </a:lvl4pPr>
+            <a:lvl5pPr marL="1828800" indent="0">
+              <a:buNone/>
+              <a:defRPr sz="1400"/>
+            </a:lvl5pPr>
+            <a:lvl6pPr marL="2286000" indent="0">
+              <a:buNone/>
+              <a:defRPr sz="1400"/>
+            </a:lvl6pPr>
+            <a:lvl7pPr marL="2743200" indent="0">
+              <a:buNone/>
+              <a:defRPr sz="1400"/>
+            </a:lvl7pPr>
+            <a:lvl8pPr marL="3200400" indent="0">
+              <a:buNone/>
+              <a:defRPr sz="1400"/>
+            </a:lvl8pPr>
+            <a:lvl9pPr marL="3657600" indent="0">
+              <a:buNone/>
+              <a:defRPr sz="1400"/>
+            </a:lvl9pPr>
+          </a:lstStyle>
+          <a:p>
+            <a:pPr lvl="0"/>
+            <a:r>
+              <a:rPr lang="en-US"/>
+              <a:t>Click to edit Master text styles</a:t>
+            </a:r>
+          </a:p>
+        </p:txBody>
+      </p:sp>
+      <p:sp>
+        <p:nvSpPr>
+          <p:cNvPr id="4" name="Rectangle 1032"/>
+          <p:cNvSpPr>
+            <a:spLocks noGrp="1" noChangeArrowheads="1"/>
+          </p:cNvSpPr>
+          <p:nvPr>
+            <p:ph type="dt" sz="quarter" idx="10"/>
+          </p:nvPr>
+        </p:nvSpPr>
+        <p:spPr>
+          <a:ln/>
+        </p:spPr>
+        <p:txBody>
+          <a:bodyPr/>
+          <a:lstStyle>
+            <a:lvl1pPr>
+              <a:defRPr/>
+            </a:lvl1pPr>
+          </a:lstStyle>
+          <a:p>
+            <a:pPr>
+              <a:defRPr/>
+            </a:pPr>
+            <a:r>
+              <a:rPr lang="en-US"/>
+              <a:t>September, 2005</a:t>
+            </a:r>
+          </a:p>
+        </p:txBody>
+      </p:sp>
+      <p:sp>
+        <p:nvSpPr>
+          <p:cNvPr id="5" name="Rectangle 1034"/>
+          <p:cNvSpPr>
+            <a:spLocks noGrp="1" noChangeArrowheads="1"/>
+          </p:cNvSpPr>
+          <p:nvPr>
+            <p:ph type="sldNum" sz="quarter" idx="11"/>
+          </p:nvPr>
+        </p:nvSpPr>
+        <p:spPr>
+          <a:ln/>
+        </p:spPr>
+        <p:txBody>
+          <a:bodyPr/>
+          <a:lstStyle>
+            <a:lvl1pPr>
+              <a:defRPr/>
+            </a:lvl1pPr>
+          </a:lstStyle>
+          <a:p>
+            <a:pPr>
+              <a:defRPr/>
+            </a:pPr>
+            <a:fld id="{D4577E54-CAED-4DAA-BDEA-242B576F3271}" type="slidenum">
+              <a:rPr lang="en-US"/>
+              <a:pPr>
+                <a:defRPr/>
+              </a:pPr>
+              <a:t>‹#›</a:t>
+            </a:fld>
+            <a:endParaRPr lang="en-US"/>
+          </a:p>
+        </p:txBody>
+      </p:sp>
+    </p:spTree>
+    <p:extLst>
+      <p:ext uri="{BB962C8B-B14F-4D97-AF65-F5344CB8AC3E}">
+        <p14:creationId xmlns:p14="http://schemas.microsoft.com/office/powerpoint/2010/main" val="3181785148"/>
+      </p:ext>
+    </p:extLst>
+  </p:cSld>
+  <p:clrMapOvr>
+    <a:masterClrMapping/>
+  </p:clrMapOvr>
+</p:sldLayout>
+</file>
+
+<file path=ppt/slideLayouts/slideLayout15.xml><?xml version="1.0" encoding="utf-8"?>
+<p:sldLayout xmlns:a="http://schemas.openxmlformats.org/drawingml/2006/main" xmlns:r="http://schemas.openxmlformats.org/officeDocument/2006/relationships" xmlns:p="http://schemas.openxmlformats.org/presentationml/2006/main" type="twoObj" preserve="1">
+  <p:cSld name="Two Content">
+    <p:spTree>
+      <p:nvGrpSpPr>
+        <p:cNvPr id="1" name=""/>
+        <p:cNvGrpSpPr/>
+        <p:nvPr/>
+      </p:nvGrpSpPr>
+      <p:grpSpPr>
+        <a:xfrm>
+          <a:off x="0" y="0"/>
+          <a:ext cx="0" cy="0"/>
+          <a:chOff x="0" y="0"/>
+          <a:chExt cx="0" cy="0"/>
+        </a:xfrm>
+      </p:grpSpPr>
+      <p:sp>
+        <p:nvSpPr>
+          <p:cNvPr id="2" name="Title 1"/>
+          <p:cNvSpPr>
+            <a:spLocks noGrp="1"/>
+          </p:cNvSpPr>
+          <p:nvPr>
+            <p:ph type="title"/>
+          </p:nvPr>
+        </p:nvSpPr>
+        <p:spPr/>
+        <p:txBody>
+          <a:bodyPr/>
+          <a:lstStyle/>
+          <a:p>
+            <a:r>
+              <a:rPr lang="en-US"/>
+              <a:t>Click to edit Master title style</a:t>
+            </a:r>
+          </a:p>
+        </p:txBody>
+      </p:sp>
+      <p:sp>
+        <p:nvSpPr>
+          <p:cNvPr id="3" name="Content Placeholder 2"/>
+          <p:cNvSpPr>
+            <a:spLocks noGrp="1"/>
+          </p:cNvSpPr>
+          <p:nvPr>
+            <p:ph sz="half" idx="1"/>
+          </p:nvPr>
+        </p:nvSpPr>
+        <p:spPr>
+          <a:xfrm>
+            <a:off x="914400" y="1371600"/>
+            <a:ext cx="5080000" cy="4114800"/>
+          </a:xfrm>
+        </p:spPr>
+        <p:txBody>
+          <a:bodyPr/>
+          <a:lstStyle>
+            <a:lvl1pPr>
+              <a:defRPr sz="2800"/>
+            </a:lvl1pPr>
+            <a:lvl2pPr>
+              <a:defRPr sz="2400"/>
+            </a:lvl2pPr>
+            <a:lvl3pPr>
+              <a:defRPr sz="2000"/>
+            </a:lvl3pPr>
+            <a:lvl4pPr>
+              <a:defRPr sz="1800"/>
+            </a:lvl4pPr>
+            <a:lvl5pPr>
+              <a:defRPr sz="1800"/>
+            </a:lvl5pPr>
+            <a:lvl6pPr>
+              <a:defRPr sz="1800"/>
+            </a:lvl6pPr>
+            <a:lvl7pPr>
+              <a:defRPr sz="1800"/>
+            </a:lvl7pPr>
+            <a:lvl8pPr>
+              <a:defRPr sz="1800"/>
+            </a:lvl8pPr>
+            <a:lvl9pPr>
+              <a:defRPr sz="1800"/>
+            </a:lvl9pPr>
+          </a:lstStyle>
+          <a:p>
+            <a:pPr lvl="0"/>
+            <a:r>
+              <a:rPr lang="en-US"/>
+              <a:t>Click to edit Master text styles</a:t>
+            </a:r>
+          </a:p>
+          <a:p>
+            <a:pPr lvl="1"/>
+            <a:r>
+              <a:rPr lang="en-US"/>
+              <a:t>Second level</a:t>
+            </a:r>
+          </a:p>
+          <a:p>
+            <a:pPr lvl="2"/>
+            <a:r>
+              <a:rPr lang="en-US"/>
+              <a:t>Third level</a:t>
+            </a:r>
+          </a:p>
+          <a:p>
+            <a:pPr lvl="3"/>
+            <a:r>
+              <a:rPr lang="en-US"/>
+              <a:t>Fourth level</a:t>
+            </a:r>
+          </a:p>
+          <a:p>
+            <a:pPr lvl="4"/>
+            <a:r>
+              <a:rPr lang="en-US"/>
+              <a:t>Fifth level</a:t>
+            </a:r>
+          </a:p>
+        </p:txBody>
+      </p:sp>
+      <p:sp>
+        <p:nvSpPr>
+          <p:cNvPr id="4" name="Content Placeholder 3"/>
+          <p:cNvSpPr>
+            <a:spLocks noGrp="1"/>
+          </p:cNvSpPr>
+          <p:nvPr>
+            <p:ph sz="half" idx="2"/>
+          </p:nvPr>
+        </p:nvSpPr>
+        <p:spPr>
+          <a:xfrm>
+            <a:off x="6197600" y="1371600"/>
+            <a:ext cx="5080000" cy="4114800"/>
+          </a:xfrm>
+        </p:spPr>
+        <p:txBody>
+          <a:bodyPr/>
+          <a:lstStyle>
+            <a:lvl1pPr>
+              <a:defRPr sz="2800"/>
+            </a:lvl1pPr>
+            <a:lvl2pPr>
+              <a:defRPr sz="2400"/>
+            </a:lvl2pPr>
+            <a:lvl3pPr>
+              <a:defRPr sz="2000"/>
+            </a:lvl3pPr>
+            <a:lvl4pPr>
+              <a:defRPr sz="1800"/>
+            </a:lvl4pPr>
+            <a:lvl5pPr>
+              <a:defRPr sz="1800"/>
+            </a:lvl5pPr>
+            <a:lvl6pPr>
+              <a:defRPr sz="1800"/>
+            </a:lvl6pPr>
+            <a:lvl7pPr>
+              <a:defRPr sz="1800"/>
+            </a:lvl7pPr>
+            <a:lvl8pPr>
+              <a:defRPr sz="1800"/>
+            </a:lvl8pPr>
+            <a:lvl9pPr>
+              <a:defRPr sz="1800"/>
+            </a:lvl9pPr>
+          </a:lstStyle>
+          <a:p>
+            <a:pPr lvl="0"/>
+            <a:r>
+              <a:rPr lang="en-US"/>
+              <a:t>Click to edit Master text styles</a:t>
+            </a:r>
+          </a:p>
+          <a:p>
+            <a:pPr lvl="1"/>
+            <a:r>
+              <a:rPr lang="en-US"/>
+              <a:t>Second level</a:t>
+            </a:r>
+          </a:p>
+          <a:p>
+            <a:pPr lvl="2"/>
+            <a:r>
+              <a:rPr lang="en-US"/>
+              <a:t>Third level</a:t>
+            </a:r>
+          </a:p>
+          <a:p>
+            <a:pPr lvl="3"/>
+            <a:r>
+              <a:rPr lang="en-US"/>
+              <a:t>Fourth level</a:t>
+            </a:r>
+          </a:p>
+          <a:p>
+            <a:pPr lvl="4"/>
+            <a:r>
+              <a:rPr lang="en-US"/>
+              <a:t>Fifth level</a:t>
+            </a:r>
+          </a:p>
+        </p:txBody>
+      </p:sp>
+      <p:sp>
+        <p:nvSpPr>
+          <p:cNvPr id="5" name="Rectangle 1032"/>
+          <p:cNvSpPr>
+            <a:spLocks noGrp="1" noChangeArrowheads="1"/>
+          </p:cNvSpPr>
+          <p:nvPr>
+            <p:ph type="dt" sz="quarter" idx="10"/>
+          </p:nvPr>
+        </p:nvSpPr>
+        <p:spPr>
+          <a:ln/>
+        </p:spPr>
+        <p:txBody>
+          <a:bodyPr/>
+          <a:lstStyle>
+            <a:lvl1pPr>
+              <a:defRPr/>
+            </a:lvl1pPr>
+          </a:lstStyle>
+          <a:p>
+            <a:pPr>
+              <a:defRPr/>
+            </a:pPr>
+            <a:r>
+              <a:rPr lang="en-US"/>
+              <a:t>September, 2005</a:t>
+            </a:r>
+          </a:p>
+        </p:txBody>
+      </p:sp>
+      <p:sp>
+        <p:nvSpPr>
+          <p:cNvPr id="6" name="Rectangle 1034"/>
+          <p:cNvSpPr>
+            <a:spLocks noGrp="1" noChangeArrowheads="1"/>
+          </p:cNvSpPr>
+          <p:nvPr>
+            <p:ph type="sldNum" sz="quarter" idx="11"/>
+          </p:nvPr>
+        </p:nvSpPr>
+        <p:spPr>
+          <a:ln/>
+        </p:spPr>
+        <p:txBody>
+          <a:bodyPr/>
+          <a:lstStyle>
+            <a:lvl1pPr>
+              <a:defRPr/>
+            </a:lvl1pPr>
+          </a:lstStyle>
+          <a:p>
+            <a:pPr>
+              <a:defRPr/>
+            </a:pPr>
+            <a:fld id="{D489193E-7254-41AC-8DE8-8923F6DC0124}" type="slidenum">
+              <a:rPr lang="en-US"/>
+              <a:pPr>
+                <a:defRPr/>
+              </a:pPr>
+              <a:t>‹#›</a:t>
+            </a:fld>
+            <a:endParaRPr lang="en-US"/>
+          </a:p>
+        </p:txBody>
+      </p:sp>
+    </p:spTree>
+    <p:extLst>
+      <p:ext uri="{BB962C8B-B14F-4D97-AF65-F5344CB8AC3E}">
+        <p14:creationId xmlns:p14="http://schemas.microsoft.com/office/powerpoint/2010/main" val="3905487679"/>
+      </p:ext>
+    </p:extLst>
+  </p:cSld>
+  <p:clrMapOvr>
+    <a:masterClrMapping/>
+  </p:clrMapOvr>
+</p:sldLayout>
+</file>
+
+<file path=ppt/slideLayouts/slideLayout16.xml><?xml version="1.0" encoding="utf-8"?>
+<p:sldLayout xmlns:a="http://schemas.openxmlformats.org/drawingml/2006/main" xmlns:r="http://schemas.openxmlformats.org/officeDocument/2006/relationships" xmlns:p="http://schemas.openxmlformats.org/presentationml/2006/main" type="twoTxTwoObj" preserve="1">
+  <p:cSld name="Comparison">
+    <p:spTree>
+      <p:nvGrpSpPr>
+        <p:cNvPr id="1" name=""/>
+        <p:cNvGrpSpPr/>
+        <p:nvPr/>
+      </p:nvGrpSpPr>
+      <p:grpSpPr>
+        <a:xfrm>
+          <a:off x="0" y="0"/>
+          <a:ext cx="0" cy="0"/>
+          <a:chOff x="0" y="0"/>
+          <a:chExt cx="0" cy="0"/>
+        </a:xfrm>
+      </p:grpSpPr>
+      <p:sp>
+        <p:nvSpPr>
+          <p:cNvPr id="2" name="Title 1"/>
+          <p:cNvSpPr>
+            <a:spLocks noGrp="1"/>
+          </p:cNvSpPr>
+          <p:nvPr>
+            <p:ph type="title"/>
+          </p:nvPr>
+        </p:nvSpPr>
+        <p:spPr>
+          <a:xfrm>
+            <a:off x="609600" y="274638"/>
+            <a:ext cx="10972800" cy="1143000"/>
+          </a:xfrm>
+        </p:spPr>
+        <p:txBody>
+          <a:bodyPr/>
+          <a:lstStyle>
+            <a:lvl1pPr>
+              <a:defRPr/>
+            </a:lvl1pPr>
+          </a:lstStyle>
+          <a:p>
+            <a:r>
+              <a:rPr lang="en-US"/>
+              <a:t>Click to edit Master title style</a:t>
+            </a:r>
+          </a:p>
+        </p:txBody>
+      </p:sp>
+      <p:sp>
+        <p:nvSpPr>
+          <p:cNvPr id="3" name="Text Placeholder 2"/>
+          <p:cNvSpPr>
+            <a:spLocks noGrp="1"/>
+          </p:cNvSpPr>
+          <p:nvPr>
+            <p:ph type="body" idx="1"/>
+          </p:nvPr>
+        </p:nvSpPr>
+        <p:spPr>
+          <a:xfrm>
+            <a:off x="609600" y="1535113"/>
+            <a:ext cx="5386917" cy="639762"/>
+          </a:xfrm>
+        </p:spPr>
+        <p:txBody>
+          <a:bodyPr anchor="b"/>
+          <a:lstStyle>
+            <a:lvl1pPr marL="0" indent="0">
+              <a:buNone/>
+              <a:defRPr sz="2400" b="1"/>
+            </a:lvl1pPr>
+            <a:lvl2pPr marL="457200" indent="0">
+              <a:buNone/>
+              <a:defRPr sz="2000" b="1"/>
+            </a:lvl2pPr>
+            <a:lvl3pPr marL="914400" indent="0">
+              <a:buNone/>
+              <a:defRPr sz="1800" b="1"/>
+            </a:lvl3pPr>
+            <a:lvl4pPr marL="1371600" indent="0">
+              <a:buNone/>
+              <a:defRPr sz="1600" b="1"/>
+            </a:lvl4pPr>
+            <a:lvl5pPr marL="1828800" indent="0">
+              <a:buNone/>
+              <a:defRPr sz="1600" b="1"/>
+            </a:lvl5pPr>
+            <a:lvl6pPr marL="2286000" indent="0">
+              <a:buNone/>
+              <a:defRPr sz="1600" b="1"/>
+            </a:lvl6pPr>
+            <a:lvl7pPr marL="2743200" indent="0">
+              <a:buNone/>
+              <a:defRPr sz="1600" b="1"/>
+            </a:lvl7pPr>
+            <a:lvl8pPr marL="3200400" indent="0">
+              <a:buNone/>
+              <a:defRPr sz="1600" b="1"/>
+            </a:lvl8pPr>
+            <a:lvl9pPr marL="3657600" indent="0">
+              <a:buNone/>
+              <a:defRPr sz="1600" b="1"/>
+            </a:lvl9pPr>
+          </a:lstStyle>
+          <a:p>
+            <a:pPr lvl="0"/>
+            <a:r>
+              <a:rPr lang="en-US"/>
+              <a:t>Click to edit Master text styles</a:t>
+            </a:r>
+          </a:p>
+        </p:txBody>
+      </p:sp>
+      <p:sp>
+        <p:nvSpPr>
+          <p:cNvPr id="4" name="Content Placeholder 3"/>
+          <p:cNvSpPr>
+            <a:spLocks noGrp="1"/>
+          </p:cNvSpPr>
+          <p:nvPr>
+            <p:ph sz="half" idx="2"/>
+          </p:nvPr>
+        </p:nvSpPr>
+        <p:spPr>
+          <a:xfrm>
+            <a:off x="609600" y="2174875"/>
+            <a:ext cx="5386917" cy="3951288"/>
+          </a:xfrm>
+        </p:spPr>
+        <p:txBody>
+          <a:bodyPr/>
+          <a:lstStyle>
+            <a:lvl1pPr>
+              <a:defRPr sz="2400"/>
+            </a:lvl1pPr>
+            <a:lvl2pPr>
+              <a:defRPr sz="2000"/>
+            </a:lvl2pPr>
+            <a:lvl3pPr>
+              <a:defRPr sz="1800"/>
+            </a:lvl3pPr>
+            <a:lvl4pPr>
+              <a:defRPr sz="1600"/>
+            </a:lvl4pPr>
+            <a:lvl5pPr>
+              <a:defRPr sz="1600"/>
+            </a:lvl5pPr>
+            <a:lvl6pPr>
+              <a:defRPr sz="1600"/>
+            </a:lvl6pPr>
+            <a:lvl7pPr>
+              <a:defRPr sz="1600"/>
+            </a:lvl7pPr>
+            <a:lvl8pPr>
+              <a:defRPr sz="1600"/>
+            </a:lvl8pPr>
+            <a:lvl9pPr>
+              <a:defRPr sz="1600"/>
+            </a:lvl9pPr>
+          </a:lstStyle>
+          <a:p>
+            <a:pPr lvl="0"/>
+            <a:r>
+              <a:rPr lang="en-US"/>
+              <a:t>Click to edit Master text styles</a:t>
+            </a:r>
+          </a:p>
+          <a:p>
+            <a:pPr lvl="1"/>
+            <a:r>
+              <a:rPr lang="en-US"/>
+              <a:t>Second level</a:t>
+            </a:r>
+          </a:p>
+          <a:p>
+            <a:pPr lvl="2"/>
+            <a:r>
+              <a:rPr lang="en-US"/>
+              <a:t>Third level</a:t>
+            </a:r>
+          </a:p>
+          <a:p>
+            <a:pPr lvl="3"/>
+            <a:r>
+              <a:rPr lang="en-US"/>
+              <a:t>Fourth level</a:t>
+            </a:r>
+          </a:p>
+          <a:p>
+            <a:pPr lvl="4"/>
+            <a:r>
+              <a:rPr lang="en-US"/>
+              <a:t>Fifth level</a:t>
+            </a:r>
+          </a:p>
+        </p:txBody>
+      </p:sp>
+      <p:sp>
+        <p:nvSpPr>
+          <p:cNvPr id="5" name="Text Placeholder 4"/>
+          <p:cNvSpPr>
+            <a:spLocks noGrp="1"/>
+          </p:cNvSpPr>
+          <p:nvPr>
+            <p:ph type="body" sz="quarter" idx="3"/>
+          </p:nvPr>
+        </p:nvSpPr>
+        <p:spPr>
+          <a:xfrm>
+            <a:off x="6193368" y="1535113"/>
+            <a:ext cx="5389033" cy="639762"/>
+          </a:xfrm>
+        </p:spPr>
+        <p:txBody>
+          <a:bodyPr anchor="b"/>
+          <a:lstStyle>
+            <a:lvl1pPr marL="0" indent="0">
+              <a:buNone/>
+              <a:defRPr sz="2400" b="1"/>
+            </a:lvl1pPr>
+            <a:lvl2pPr marL="457200" indent="0">
+              <a:buNone/>
+              <a:defRPr sz="2000" b="1"/>
+            </a:lvl2pPr>
+            <a:lvl3pPr marL="914400" indent="0">
+              <a:buNone/>
+              <a:defRPr sz="1800" b="1"/>
+            </a:lvl3pPr>
+            <a:lvl4pPr marL="1371600" indent="0">
+              <a:buNone/>
+              <a:defRPr sz="1600" b="1"/>
+            </a:lvl4pPr>
+            <a:lvl5pPr marL="1828800" indent="0">
+              <a:buNone/>
+              <a:defRPr sz="1600" b="1"/>
+            </a:lvl5pPr>
+            <a:lvl6pPr marL="2286000" indent="0">
+              <a:buNone/>
+              <a:defRPr sz="1600" b="1"/>
+            </a:lvl6pPr>
+            <a:lvl7pPr marL="2743200" indent="0">
+              <a:buNone/>
+              <a:defRPr sz="1600" b="1"/>
+            </a:lvl7pPr>
+            <a:lvl8pPr marL="3200400" indent="0">
+              <a:buNone/>
+              <a:defRPr sz="1600" b="1"/>
+            </a:lvl8pPr>
+            <a:lvl9pPr marL="3657600" indent="0">
+              <a:buNone/>
+              <a:defRPr sz="1600" b="1"/>
+            </a:lvl9pPr>
+          </a:lstStyle>
+          <a:p>
+            <a:pPr lvl="0"/>
+            <a:r>
+              <a:rPr lang="en-US"/>
+              <a:t>Click to edit Master text styles</a:t>
+            </a:r>
+          </a:p>
+        </p:txBody>
+      </p:sp>
+      <p:sp>
+        <p:nvSpPr>
+          <p:cNvPr id="6" name="Content Placeholder 5"/>
+          <p:cNvSpPr>
+            <a:spLocks noGrp="1"/>
+          </p:cNvSpPr>
+          <p:nvPr>
+            <p:ph sz="quarter" idx="4"/>
+          </p:nvPr>
+        </p:nvSpPr>
+        <p:spPr>
+          <a:xfrm>
+            <a:off x="6193368" y="2174875"/>
+            <a:ext cx="5389033" cy="3951288"/>
+          </a:xfrm>
+        </p:spPr>
+        <p:txBody>
+          <a:bodyPr/>
+          <a:lstStyle>
+            <a:lvl1pPr>
+              <a:defRPr sz="2400"/>
+            </a:lvl1pPr>
+            <a:lvl2pPr>
+              <a:defRPr sz="2000"/>
+            </a:lvl2pPr>
+            <a:lvl3pPr>
+              <a:defRPr sz="1800"/>
+            </a:lvl3pPr>
+            <a:lvl4pPr>
+              <a:defRPr sz="1600"/>
+            </a:lvl4pPr>
+            <a:lvl5pPr>
+              <a:defRPr sz="1600"/>
+            </a:lvl5pPr>
+            <a:lvl6pPr>
+              <a:defRPr sz="1600"/>
+            </a:lvl6pPr>
+            <a:lvl7pPr>
+              <a:defRPr sz="1600"/>
+            </a:lvl7pPr>
+            <a:lvl8pPr>
+              <a:defRPr sz="1600"/>
+            </a:lvl8pPr>
+            <a:lvl9pPr>
+              <a:defRPr sz="1600"/>
+            </a:lvl9pPr>
+          </a:lstStyle>
+          <a:p>
+            <a:pPr lvl="0"/>
+            <a:r>
+              <a:rPr lang="en-US"/>
+              <a:t>Click to edit Master text styles</a:t>
+            </a:r>
+          </a:p>
+          <a:p>
+            <a:pPr lvl="1"/>
+            <a:r>
+              <a:rPr lang="en-US"/>
+              <a:t>Second level</a:t>
+            </a:r>
+          </a:p>
+          <a:p>
+            <a:pPr lvl="2"/>
+            <a:r>
+              <a:rPr lang="en-US"/>
+              <a:t>Third level</a:t>
+            </a:r>
+          </a:p>
+          <a:p>
+            <a:pPr lvl="3"/>
+            <a:r>
+              <a:rPr lang="en-US"/>
+              <a:t>Fourth level</a:t>
+            </a:r>
+          </a:p>
+          <a:p>
+            <a:pPr lvl="4"/>
+            <a:r>
+              <a:rPr lang="en-US"/>
+              <a:t>Fifth level</a:t>
+            </a:r>
+          </a:p>
+        </p:txBody>
+      </p:sp>
+      <p:sp>
+        <p:nvSpPr>
+          <p:cNvPr id="7" name="Rectangle 1032"/>
+          <p:cNvSpPr>
+            <a:spLocks noGrp="1" noChangeArrowheads="1"/>
+          </p:cNvSpPr>
+          <p:nvPr>
+            <p:ph type="dt" sz="quarter" idx="10"/>
+          </p:nvPr>
+        </p:nvSpPr>
+        <p:spPr>
+          <a:ln/>
+        </p:spPr>
+        <p:txBody>
+          <a:bodyPr/>
+          <a:lstStyle>
+            <a:lvl1pPr>
+              <a:defRPr/>
+            </a:lvl1pPr>
+          </a:lstStyle>
+          <a:p>
+            <a:pPr>
+              <a:defRPr/>
+            </a:pPr>
+            <a:r>
+              <a:rPr lang="en-US"/>
+              <a:t>September, 2005</a:t>
+            </a:r>
+          </a:p>
+        </p:txBody>
+      </p:sp>
+      <p:sp>
+        <p:nvSpPr>
+          <p:cNvPr id="8" name="Rectangle 1034"/>
+          <p:cNvSpPr>
+            <a:spLocks noGrp="1" noChangeArrowheads="1"/>
+          </p:cNvSpPr>
+          <p:nvPr>
+            <p:ph type="sldNum" sz="quarter" idx="11"/>
+          </p:nvPr>
+        </p:nvSpPr>
+        <p:spPr>
+          <a:ln/>
+        </p:spPr>
+        <p:txBody>
+          <a:bodyPr/>
+          <a:lstStyle>
+            <a:lvl1pPr>
+              <a:defRPr/>
+            </a:lvl1pPr>
+          </a:lstStyle>
+          <a:p>
+            <a:pPr>
+              <a:defRPr/>
+            </a:pPr>
+            <a:fld id="{50EE1ADC-9839-4FF5-A292-55F84FF7D706}" type="slidenum">
+              <a:rPr lang="en-US"/>
+              <a:pPr>
+                <a:defRPr/>
+              </a:pPr>
+              <a:t>‹#›</a:t>
+            </a:fld>
+            <a:endParaRPr lang="en-US"/>
+          </a:p>
+        </p:txBody>
+      </p:sp>
+    </p:spTree>
+    <p:extLst>
+      <p:ext uri="{BB962C8B-B14F-4D97-AF65-F5344CB8AC3E}">
+        <p14:creationId xmlns:p14="http://schemas.microsoft.com/office/powerpoint/2010/main" val="1932912950"/>
+      </p:ext>
+    </p:extLst>
+  </p:cSld>
+  <p:clrMapOvr>
+    <a:masterClrMapping/>
+  </p:clrMapOvr>
+</p:sldLayout>
+</file>
+
+<file path=ppt/slideLayouts/slideLayout17.xml><?xml version="1.0" encoding="utf-8"?>
+<p:sldLayout xmlns:a="http://schemas.openxmlformats.org/drawingml/2006/main" xmlns:r="http://schemas.openxmlformats.org/officeDocument/2006/relationships" xmlns:p="http://schemas.openxmlformats.org/presentationml/2006/main" type="titleOnly" preserve="1">
+  <p:cSld name="Title Only">
+    <p:spTree>
+      <p:nvGrpSpPr>
+        <p:cNvPr id="1" name=""/>
+        <p:cNvGrpSpPr/>
+        <p:nvPr/>
+      </p:nvGrpSpPr>
+      <p:grpSpPr>
+        <a:xfrm>
+          <a:off x="0" y="0"/>
+          <a:ext cx="0" cy="0"/>
+          <a:chOff x="0" y="0"/>
+          <a:chExt cx="0" cy="0"/>
+        </a:xfrm>
+      </p:grpSpPr>
+      <p:sp>
+        <p:nvSpPr>
+          <p:cNvPr id="2" name="Title 1"/>
+          <p:cNvSpPr>
+            <a:spLocks noGrp="1"/>
+          </p:cNvSpPr>
+          <p:nvPr>
+            <p:ph type="title"/>
+          </p:nvPr>
+        </p:nvSpPr>
+        <p:spPr/>
+        <p:txBody>
+          <a:bodyPr/>
+          <a:lstStyle/>
+          <a:p>
+            <a:r>
+              <a:rPr lang="en-US"/>
+              <a:t>Click to edit Master title style</a:t>
+            </a:r>
+          </a:p>
+        </p:txBody>
+      </p:sp>
+      <p:sp>
+        <p:nvSpPr>
+          <p:cNvPr id="3" name="Rectangle 1032"/>
+          <p:cNvSpPr>
+            <a:spLocks noGrp="1" noChangeArrowheads="1"/>
+          </p:cNvSpPr>
+          <p:nvPr>
+            <p:ph type="dt" sz="quarter" idx="10"/>
+          </p:nvPr>
+        </p:nvSpPr>
+        <p:spPr>
+          <a:ln/>
+        </p:spPr>
+        <p:txBody>
+          <a:bodyPr/>
+          <a:lstStyle>
+            <a:lvl1pPr>
+              <a:defRPr/>
+            </a:lvl1pPr>
+          </a:lstStyle>
+          <a:p>
+            <a:pPr>
+              <a:defRPr/>
+            </a:pPr>
+            <a:r>
+              <a:rPr lang="en-US"/>
+              <a:t>September, 2005</a:t>
+            </a:r>
+          </a:p>
+        </p:txBody>
+      </p:sp>
+      <p:sp>
+        <p:nvSpPr>
+          <p:cNvPr id="4" name="Rectangle 1034"/>
+          <p:cNvSpPr>
+            <a:spLocks noGrp="1" noChangeArrowheads="1"/>
+          </p:cNvSpPr>
+          <p:nvPr>
+            <p:ph type="sldNum" sz="quarter" idx="11"/>
+          </p:nvPr>
+        </p:nvSpPr>
+        <p:spPr>
+          <a:ln/>
+        </p:spPr>
+        <p:txBody>
+          <a:bodyPr/>
+          <a:lstStyle>
+            <a:lvl1pPr>
+              <a:defRPr/>
+            </a:lvl1pPr>
+          </a:lstStyle>
+          <a:p>
+            <a:pPr>
+              <a:defRPr/>
+            </a:pPr>
+            <a:fld id="{C90DFABD-E683-4809-866B-37091DB1F862}" type="slidenum">
+              <a:rPr lang="en-US"/>
+              <a:pPr>
+                <a:defRPr/>
+              </a:pPr>
+              <a:t>‹#›</a:t>
+            </a:fld>
+            <a:endParaRPr lang="en-US"/>
+          </a:p>
+        </p:txBody>
+      </p:sp>
+    </p:spTree>
+    <p:extLst>
+      <p:ext uri="{BB962C8B-B14F-4D97-AF65-F5344CB8AC3E}">
+        <p14:creationId xmlns:p14="http://schemas.microsoft.com/office/powerpoint/2010/main" val="753415871"/>
+      </p:ext>
+    </p:extLst>
+  </p:cSld>
+  <p:clrMapOvr>
+    <a:masterClrMapping/>
+  </p:clrMapOvr>
+</p:sldLayout>
+</file>
+
+<file path=ppt/slideLayouts/slideLayout18.xml><?xml version="1.0" encoding="utf-8"?>
+<p:sldLayout xmlns:a="http://schemas.openxmlformats.org/drawingml/2006/main" xmlns:r="http://schemas.openxmlformats.org/officeDocument/2006/relationships" xmlns:p="http://schemas.openxmlformats.org/presentationml/2006/main" type="blank" preserve="1">
+  <p:cSld name="Blank">
+    <p:spTree>
+      <p:nvGrpSpPr>
+        <p:cNvPr id="1" name=""/>
+        <p:cNvGrpSpPr/>
+        <p:nvPr/>
+      </p:nvGrpSpPr>
+      <p:grpSpPr>
+        <a:xfrm>
+          <a:off x="0" y="0"/>
+          <a:ext cx="0" cy="0"/>
+          <a:chOff x="0" y="0"/>
+          <a:chExt cx="0" cy="0"/>
+        </a:xfrm>
+      </p:grpSpPr>
+      <p:sp>
+        <p:nvSpPr>
+          <p:cNvPr id="2" name="Rectangle 1032"/>
+          <p:cNvSpPr>
+            <a:spLocks noGrp="1" noChangeArrowheads="1"/>
+          </p:cNvSpPr>
+          <p:nvPr>
+            <p:ph type="dt" sz="quarter" idx="10"/>
+          </p:nvPr>
+        </p:nvSpPr>
+        <p:spPr>
+          <a:ln/>
+        </p:spPr>
+        <p:txBody>
+          <a:bodyPr/>
+          <a:lstStyle>
+            <a:lvl1pPr>
+              <a:defRPr/>
+            </a:lvl1pPr>
+          </a:lstStyle>
+          <a:p>
+            <a:pPr>
+              <a:defRPr/>
+            </a:pPr>
+            <a:r>
+              <a:rPr lang="en-US"/>
+              <a:t>September, 2005</a:t>
+            </a:r>
+          </a:p>
+        </p:txBody>
+      </p:sp>
+      <p:sp>
+        <p:nvSpPr>
+          <p:cNvPr id="3" name="Rectangle 1034"/>
+          <p:cNvSpPr>
+            <a:spLocks noGrp="1" noChangeArrowheads="1"/>
+          </p:cNvSpPr>
+          <p:nvPr>
+            <p:ph type="sldNum" sz="quarter" idx="11"/>
+          </p:nvPr>
+        </p:nvSpPr>
+        <p:spPr>
+          <a:ln/>
+        </p:spPr>
+        <p:txBody>
+          <a:bodyPr/>
+          <a:lstStyle>
+            <a:lvl1pPr>
+              <a:defRPr/>
+            </a:lvl1pPr>
+          </a:lstStyle>
+          <a:p>
+            <a:pPr>
+              <a:defRPr/>
+            </a:pPr>
+            <a:fld id="{BA399B41-9693-4447-9A5C-4F0AA07B3FA5}" type="slidenum">
+              <a:rPr lang="en-US"/>
+              <a:pPr>
+                <a:defRPr/>
+              </a:pPr>
+              <a:t>‹#›</a:t>
+            </a:fld>
+            <a:endParaRPr lang="en-US"/>
+          </a:p>
+        </p:txBody>
+      </p:sp>
+    </p:spTree>
+    <p:extLst>
+      <p:ext uri="{BB962C8B-B14F-4D97-AF65-F5344CB8AC3E}">
+        <p14:creationId xmlns:p14="http://schemas.microsoft.com/office/powerpoint/2010/main" val="1424250330"/>
+      </p:ext>
+    </p:extLst>
+  </p:cSld>
+  <p:clrMapOvr>
+    <a:masterClrMapping/>
+  </p:clrMapOvr>
+</p:sldLayout>
+</file>
+
+<file path=ppt/slideLayouts/slideLayout19.xml><?xml version="1.0" encoding="utf-8"?>
+<p:sldLayout xmlns:a="http://schemas.openxmlformats.org/drawingml/2006/main" xmlns:r="http://schemas.openxmlformats.org/officeDocument/2006/relationships" xmlns:p="http://schemas.openxmlformats.org/presentationml/2006/main" type="objTx" preserve="1">
+  <p:cSld name="Content with Caption">
+    <p:spTree>
+      <p:nvGrpSpPr>
+        <p:cNvPr id="1" name=""/>
+        <p:cNvGrpSpPr/>
+        <p:nvPr/>
+      </p:nvGrpSpPr>
+      <p:grpSpPr>
+        <a:xfrm>
+          <a:off x="0" y="0"/>
+          <a:ext cx="0" cy="0"/>
+          <a:chOff x="0" y="0"/>
+          <a:chExt cx="0" cy="0"/>
+        </a:xfrm>
+      </p:grpSpPr>
+      <p:sp>
+        <p:nvSpPr>
+          <p:cNvPr id="2" name="Title 1"/>
+          <p:cNvSpPr>
+            <a:spLocks noGrp="1"/>
+          </p:cNvSpPr>
+          <p:nvPr>
+            <p:ph type="title"/>
+          </p:nvPr>
+        </p:nvSpPr>
+        <p:spPr>
+          <a:xfrm>
+            <a:off x="609601" y="273050"/>
+            <a:ext cx="4011084" cy="1162050"/>
+          </a:xfrm>
+        </p:spPr>
+        <p:txBody>
+          <a:bodyPr anchor="b"/>
+          <a:lstStyle>
+            <a:lvl1pPr algn="l">
+              <a:defRPr sz="2000" b="1"/>
+            </a:lvl1pPr>
+          </a:lstStyle>
+          <a:p>
+            <a:r>
+              <a:rPr lang="en-US"/>
+              <a:t>Click to edit Master title style</a:t>
+            </a:r>
+          </a:p>
+        </p:txBody>
+      </p:sp>
+      <p:sp>
+        <p:nvSpPr>
+          <p:cNvPr id="3" name="Content Placeholder 2"/>
+          <p:cNvSpPr>
+            <a:spLocks noGrp="1"/>
+          </p:cNvSpPr>
+          <p:nvPr>
+            <p:ph idx="1"/>
+          </p:nvPr>
+        </p:nvSpPr>
+        <p:spPr>
+          <a:xfrm>
+            <a:off x="4766733" y="273051"/>
+            <a:ext cx="6815667" cy="5853113"/>
+          </a:xfrm>
+        </p:spPr>
+        <p:txBody>
+          <a:bodyPr/>
+          <a:lstStyle>
+            <a:lvl1pPr>
+              <a:defRPr sz="3200"/>
+            </a:lvl1pPr>
+            <a:lvl2pPr>
+              <a:defRPr sz="2800"/>
+            </a:lvl2pPr>
+            <a:lvl3pPr>
+              <a:defRPr sz="2400"/>
+            </a:lvl3pPr>
+            <a:lvl4pPr>
+              <a:defRPr sz="2000"/>
+            </a:lvl4pPr>
+            <a:lvl5pPr>
+              <a:defRPr sz="2000"/>
+            </a:lvl5pPr>
+            <a:lvl6pPr>
+              <a:defRPr sz="2000"/>
+            </a:lvl6pPr>
+            <a:lvl7pPr>
+              <a:defRPr sz="2000"/>
+            </a:lvl7pPr>
+            <a:lvl8pPr>
+              <a:defRPr sz="2000"/>
+            </a:lvl8pPr>
+            <a:lvl9pPr>
+              <a:defRPr sz="2000"/>
+            </a:lvl9pPr>
+          </a:lstStyle>
+          <a:p>
+            <a:pPr lvl="0"/>
+            <a:r>
+              <a:rPr lang="en-US"/>
+              <a:t>Click to edit Master text styles</a:t>
+            </a:r>
+          </a:p>
+          <a:p>
+            <a:pPr lvl="1"/>
+            <a:r>
+              <a:rPr lang="en-US"/>
+              <a:t>Second level</a:t>
+            </a:r>
+          </a:p>
+          <a:p>
+            <a:pPr lvl="2"/>
+            <a:r>
+              <a:rPr lang="en-US"/>
+              <a:t>Third level</a:t>
+            </a:r>
+          </a:p>
+          <a:p>
+            <a:pPr lvl="3"/>
+            <a:r>
+              <a:rPr lang="en-US"/>
+              <a:t>Fourth level</a:t>
+            </a:r>
+          </a:p>
+          <a:p>
+            <a:pPr lvl="4"/>
+            <a:r>
+              <a:rPr lang="en-US"/>
+              <a:t>Fifth level</a:t>
+            </a:r>
+          </a:p>
+        </p:txBody>
+      </p:sp>
+      <p:sp>
+        <p:nvSpPr>
+          <p:cNvPr id="4" name="Text Placeholder 3"/>
+          <p:cNvSpPr>
+            <a:spLocks noGrp="1"/>
+          </p:cNvSpPr>
+          <p:nvPr>
+            <p:ph type="body" sz="half" idx="2"/>
+          </p:nvPr>
+        </p:nvSpPr>
+        <p:spPr>
+          <a:xfrm>
+            <a:off x="609601" y="1435101"/>
+            <a:ext cx="4011084" cy="4691063"/>
+          </a:xfrm>
+        </p:spPr>
+        <p:txBody>
+          <a:bodyPr/>
+          <a:lstStyle>
+            <a:lvl1pPr marL="0" indent="0">
+              <a:buNone/>
+              <a:defRPr sz="1400"/>
+            </a:lvl1pPr>
+            <a:lvl2pPr marL="457200" indent="0">
+              <a:buNone/>
+              <a:defRPr sz="1200"/>
+            </a:lvl2pPr>
+            <a:lvl3pPr marL="914400" indent="0">
+              <a:buNone/>
+              <a:defRPr sz="1000"/>
+            </a:lvl3pPr>
+            <a:lvl4pPr marL="1371600" indent="0">
+              <a:buNone/>
+              <a:defRPr sz="900"/>
+            </a:lvl4pPr>
+            <a:lvl5pPr marL="1828800" indent="0">
+              <a:buNone/>
+              <a:defRPr sz="900"/>
+            </a:lvl5pPr>
+            <a:lvl6pPr marL="2286000" indent="0">
+              <a:buNone/>
+              <a:defRPr sz="900"/>
+            </a:lvl6pPr>
+            <a:lvl7pPr marL="2743200" indent="0">
+              <a:buNone/>
+              <a:defRPr sz="900"/>
+            </a:lvl7pPr>
+            <a:lvl8pPr marL="3200400" indent="0">
+              <a:buNone/>
+              <a:defRPr sz="900"/>
+            </a:lvl8pPr>
+            <a:lvl9pPr marL="3657600" indent="0">
+              <a:buNone/>
+              <a:defRPr sz="900"/>
+            </a:lvl9pPr>
+          </a:lstStyle>
+          <a:p>
+            <a:pPr lvl="0"/>
+            <a:r>
+              <a:rPr lang="en-US"/>
+              <a:t>Click to edit Master text styles</a:t>
+            </a:r>
+          </a:p>
+        </p:txBody>
+      </p:sp>
+      <p:sp>
+        <p:nvSpPr>
+          <p:cNvPr id="5" name="Rectangle 1032"/>
+          <p:cNvSpPr>
+            <a:spLocks noGrp="1" noChangeArrowheads="1"/>
+          </p:cNvSpPr>
+          <p:nvPr>
+            <p:ph type="dt" sz="quarter" idx="10"/>
+          </p:nvPr>
+        </p:nvSpPr>
+        <p:spPr>
+          <a:ln/>
+        </p:spPr>
+        <p:txBody>
+          <a:bodyPr/>
+          <a:lstStyle>
+            <a:lvl1pPr>
+              <a:defRPr/>
+            </a:lvl1pPr>
+          </a:lstStyle>
+          <a:p>
+            <a:pPr>
+              <a:defRPr/>
+            </a:pPr>
+            <a:r>
+              <a:rPr lang="en-US"/>
+              <a:t>September, 2005</a:t>
+            </a:r>
+          </a:p>
+        </p:txBody>
+      </p:sp>
+      <p:sp>
+        <p:nvSpPr>
+          <p:cNvPr id="6" name="Rectangle 1034"/>
+          <p:cNvSpPr>
+            <a:spLocks noGrp="1" noChangeArrowheads="1"/>
+          </p:cNvSpPr>
+          <p:nvPr>
+            <p:ph type="sldNum" sz="quarter" idx="11"/>
+          </p:nvPr>
+        </p:nvSpPr>
+        <p:spPr>
+          <a:ln/>
+        </p:spPr>
+        <p:txBody>
+          <a:bodyPr/>
+          <a:lstStyle>
+            <a:lvl1pPr>
+              <a:defRPr/>
+            </a:lvl1pPr>
+          </a:lstStyle>
+          <a:p>
+            <a:pPr>
+              <a:defRPr/>
+            </a:pPr>
+            <a:fld id="{A4458F2C-13A4-4BB8-9413-AEE109A50B54}" type="slidenum">
+              <a:rPr lang="en-US"/>
+              <a:pPr>
+                <a:defRPr/>
+              </a:pPr>
+              <a:t>‹#›</a:t>
+            </a:fld>
+            <a:endParaRPr lang="en-US"/>
+          </a:p>
+        </p:txBody>
+      </p:sp>
+    </p:spTree>
+    <p:extLst>
+      <p:ext uri="{BB962C8B-B14F-4D97-AF65-F5344CB8AC3E}">
+        <p14:creationId xmlns:p14="http://schemas.microsoft.com/office/powerpoint/2010/main" val="2663400763"/>
+      </p:ext>
+    </p:extLst>
+  </p:cSld>
+  <p:clrMapOvr>
+    <a:masterClrMapping/>
+  </p:clrMapOvr>
+</p:sldLayout>
+</file>
+
 <file path=ppt/slideLayouts/slideLayout2.xml><?xml version="1.0" encoding="utf-8"?>
 <p:sldLayout xmlns:a="http://schemas.openxmlformats.org/drawingml/2006/main" xmlns:r="http://schemas.openxmlformats.org/officeDocument/2006/relationships" xmlns:p="http://schemas.openxmlformats.org/presentationml/2006/main" type="obj" preserve="1">
   <p:cSld name="Title and Content">
@@ -2107,6 +4351,608 @@
     <p:extLst>
       <p:ext uri="{BB962C8B-B14F-4D97-AF65-F5344CB8AC3E}">
         <p14:creationId xmlns:p14="http://schemas.microsoft.com/office/powerpoint/2010/main" val="1472747437"/>
+      </p:ext>
+    </p:extLst>
+  </p:cSld>
+  <p:clrMapOvr>
+    <a:masterClrMapping/>
+  </p:clrMapOvr>
+</p:sldLayout>
+</file>
+
+<file path=ppt/slideLayouts/slideLayout20.xml><?xml version="1.0" encoding="utf-8"?>
+<p:sldLayout xmlns:a="http://schemas.openxmlformats.org/drawingml/2006/main" xmlns:r="http://schemas.openxmlformats.org/officeDocument/2006/relationships" xmlns:p="http://schemas.openxmlformats.org/presentationml/2006/main" type="picTx" preserve="1">
+  <p:cSld name="Picture with Caption">
+    <p:spTree>
+      <p:nvGrpSpPr>
+        <p:cNvPr id="1" name=""/>
+        <p:cNvGrpSpPr/>
+        <p:nvPr/>
+      </p:nvGrpSpPr>
+      <p:grpSpPr>
+        <a:xfrm>
+          <a:off x="0" y="0"/>
+          <a:ext cx="0" cy="0"/>
+          <a:chOff x="0" y="0"/>
+          <a:chExt cx="0" cy="0"/>
+        </a:xfrm>
+      </p:grpSpPr>
+      <p:sp>
+        <p:nvSpPr>
+          <p:cNvPr id="2" name="Title 1"/>
+          <p:cNvSpPr>
+            <a:spLocks noGrp="1"/>
+          </p:cNvSpPr>
+          <p:nvPr>
+            <p:ph type="title"/>
+          </p:nvPr>
+        </p:nvSpPr>
+        <p:spPr>
+          <a:xfrm>
+            <a:off x="2389717" y="4800600"/>
+            <a:ext cx="7315200" cy="566738"/>
+          </a:xfrm>
+        </p:spPr>
+        <p:txBody>
+          <a:bodyPr anchor="b"/>
+          <a:lstStyle>
+            <a:lvl1pPr algn="l">
+              <a:defRPr sz="2000" b="1"/>
+            </a:lvl1pPr>
+          </a:lstStyle>
+          <a:p>
+            <a:r>
+              <a:rPr lang="en-US"/>
+              <a:t>Click to edit Master title style</a:t>
+            </a:r>
+          </a:p>
+        </p:txBody>
+      </p:sp>
+      <p:sp>
+        <p:nvSpPr>
+          <p:cNvPr id="3" name="Picture Placeholder 2"/>
+          <p:cNvSpPr>
+            <a:spLocks noGrp="1"/>
+          </p:cNvSpPr>
+          <p:nvPr>
+            <p:ph type="pic" idx="1"/>
+          </p:nvPr>
+        </p:nvSpPr>
+        <p:spPr>
+          <a:xfrm>
+            <a:off x="2389717" y="612775"/>
+            <a:ext cx="7315200" cy="4114800"/>
+          </a:xfrm>
+        </p:spPr>
+        <p:txBody>
+          <a:bodyPr/>
+          <a:lstStyle>
+            <a:lvl1pPr marL="0" indent="0">
+              <a:buNone/>
+              <a:defRPr sz="3200"/>
+            </a:lvl1pPr>
+            <a:lvl2pPr marL="457200" indent="0">
+              <a:buNone/>
+              <a:defRPr sz="2800"/>
+            </a:lvl2pPr>
+            <a:lvl3pPr marL="914400" indent="0">
+              <a:buNone/>
+              <a:defRPr sz="2400"/>
+            </a:lvl3pPr>
+            <a:lvl4pPr marL="1371600" indent="0">
+              <a:buNone/>
+              <a:defRPr sz="2000"/>
+            </a:lvl4pPr>
+            <a:lvl5pPr marL="1828800" indent="0">
+              <a:buNone/>
+              <a:defRPr sz="2000"/>
+            </a:lvl5pPr>
+            <a:lvl6pPr marL="2286000" indent="0">
+              <a:buNone/>
+              <a:defRPr sz="2000"/>
+            </a:lvl6pPr>
+            <a:lvl7pPr marL="2743200" indent="0">
+              <a:buNone/>
+              <a:defRPr sz="2000"/>
+            </a:lvl7pPr>
+            <a:lvl8pPr marL="3200400" indent="0">
+              <a:buNone/>
+              <a:defRPr sz="2000"/>
+            </a:lvl8pPr>
+            <a:lvl9pPr marL="3657600" indent="0">
+              <a:buNone/>
+              <a:defRPr sz="2000"/>
+            </a:lvl9pPr>
+          </a:lstStyle>
+          <a:p>
+            <a:pPr lvl="0"/>
+            <a:endParaRPr lang="en-US" noProof="0"/>
+          </a:p>
+        </p:txBody>
+      </p:sp>
+      <p:sp>
+        <p:nvSpPr>
+          <p:cNvPr id="4" name="Text Placeholder 3"/>
+          <p:cNvSpPr>
+            <a:spLocks noGrp="1"/>
+          </p:cNvSpPr>
+          <p:nvPr>
+            <p:ph type="body" sz="half" idx="2"/>
+          </p:nvPr>
+        </p:nvSpPr>
+        <p:spPr>
+          <a:xfrm>
+            <a:off x="2389717" y="5367338"/>
+            <a:ext cx="7315200" cy="804862"/>
+          </a:xfrm>
+        </p:spPr>
+        <p:txBody>
+          <a:bodyPr/>
+          <a:lstStyle>
+            <a:lvl1pPr marL="0" indent="0">
+              <a:buNone/>
+              <a:defRPr sz="1400"/>
+            </a:lvl1pPr>
+            <a:lvl2pPr marL="457200" indent="0">
+              <a:buNone/>
+              <a:defRPr sz="1200"/>
+            </a:lvl2pPr>
+            <a:lvl3pPr marL="914400" indent="0">
+              <a:buNone/>
+              <a:defRPr sz="1000"/>
+            </a:lvl3pPr>
+            <a:lvl4pPr marL="1371600" indent="0">
+              <a:buNone/>
+              <a:defRPr sz="900"/>
+            </a:lvl4pPr>
+            <a:lvl5pPr marL="1828800" indent="0">
+              <a:buNone/>
+              <a:defRPr sz="900"/>
+            </a:lvl5pPr>
+            <a:lvl6pPr marL="2286000" indent="0">
+              <a:buNone/>
+              <a:defRPr sz="900"/>
+            </a:lvl6pPr>
+            <a:lvl7pPr marL="2743200" indent="0">
+              <a:buNone/>
+              <a:defRPr sz="900"/>
+            </a:lvl7pPr>
+            <a:lvl8pPr marL="3200400" indent="0">
+              <a:buNone/>
+              <a:defRPr sz="900"/>
+            </a:lvl8pPr>
+            <a:lvl9pPr marL="3657600" indent="0">
+              <a:buNone/>
+              <a:defRPr sz="900"/>
+            </a:lvl9pPr>
+          </a:lstStyle>
+          <a:p>
+            <a:pPr lvl="0"/>
+            <a:r>
+              <a:rPr lang="en-US"/>
+              <a:t>Click to edit Master text styles</a:t>
+            </a:r>
+          </a:p>
+        </p:txBody>
+      </p:sp>
+      <p:sp>
+        <p:nvSpPr>
+          <p:cNvPr id="5" name="Rectangle 1032"/>
+          <p:cNvSpPr>
+            <a:spLocks noGrp="1" noChangeArrowheads="1"/>
+          </p:cNvSpPr>
+          <p:nvPr>
+            <p:ph type="dt" sz="quarter" idx="10"/>
+          </p:nvPr>
+        </p:nvSpPr>
+        <p:spPr>
+          <a:ln/>
+        </p:spPr>
+        <p:txBody>
+          <a:bodyPr/>
+          <a:lstStyle>
+            <a:lvl1pPr>
+              <a:defRPr/>
+            </a:lvl1pPr>
+          </a:lstStyle>
+          <a:p>
+            <a:pPr>
+              <a:defRPr/>
+            </a:pPr>
+            <a:r>
+              <a:rPr lang="en-US"/>
+              <a:t>September, 2005</a:t>
+            </a:r>
+          </a:p>
+        </p:txBody>
+      </p:sp>
+      <p:sp>
+        <p:nvSpPr>
+          <p:cNvPr id="6" name="Rectangle 1034"/>
+          <p:cNvSpPr>
+            <a:spLocks noGrp="1" noChangeArrowheads="1"/>
+          </p:cNvSpPr>
+          <p:nvPr>
+            <p:ph type="sldNum" sz="quarter" idx="11"/>
+          </p:nvPr>
+        </p:nvSpPr>
+        <p:spPr>
+          <a:ln/>
+        </p:spPr>
+        <p:txBody>
+          <a:bodyPr/>
+          <a:lstStyle>
+            <a:lvl1pPr>
+              <a:defRPr/>
+            </a:lvl1pPr>
+          </a:lstStyle>
+          <a:p>
+            <a:pPr>
+              <a:defRPr/>
+            </a:pPr>
+            <a:fld id="{E226FB6A-362C-4187-B332-B3EDDD788A28}" type="slidenum">
+              <a:rPr lang="en-US"/>
+              <a:pPr>
+                <a:defRPr/>
+              </a:pPr>
+              <a:t>‹#›</a:t>
+            </a:fld>
+            <a:endParaRPr lang="en-US"/>
+          </a:p>
+        </p:txBody>
+      </p:sp>
+    </p:spTree>
+    <p:extLst>
+      <p:ext uri="{BB962C8B-B14F-4D97-AF65-F5344CB8AC3E}">
+        <p14:creationId xmlns:p14="http://schemas.microsoft.com/office/powerpoint/2010/main" val="415233903"/>
+      </p:ext>
+    </p:extLst>
+  </p:cSld>
+  <p:clrMapOvr>
+    <a:masterClrMapping/>
+  </p:clrMapOvr>
+</p:sldLayout>
+</file>
+
+<file path=ppt/slideLayouts/slideLayout21.xml><?xml version="1.0" encoding="utf-8"?>
+<p:sldLayout xmlns:a="http://schemas.openxmlformats.org/drawingml/2006/main" xmlns:r="http://schemas.openxmlformats.org/officeDocument/2006/relationships" xmlns:p="http://schemas.openxmlformats.org/presentationml/2006/main" type="vertTx" preserve="1">
+  <p:cSld name="Title and Vertical Text">
+    <p:spTree>
+      <p:nvGrpSpPr>
+        <p:cNvPr id="1" name=""/>
+        <p:cNvGrpSpPr/>
+        <p:nvPr/>
+      </p:nvGrpSpPr>
+      <p:grpSpPr>
+        <a:xfrm>
+          <a:off x="0" y="0"/>
+          <a:ext cx="0" cy="0"/>
+          <a:chOff x="0" y="0"/>
+          <a:chExt cx="0" cy="0"/>
+        </a:xfrm>
+      </p:grpSpPr>
+      <p:sp>
+        <p:nvSpPr>
+          <p:cNvPr id="2" name="Title 1"/>
+          <p:cNvSpPr>
+            <a:spLocks noGrp="1"/>
+          </p:cNvSpPr>
+          <p:nvPr>
+            <p:ph type="title"/>
+          </p:nvPr>
+        </p:nvSpPr>
+        <p:spPr/>
+        <p:txBody>
+          <a:bodyPr/>
+          <a:lstStyle/>
+          <a:p>
+            <a:r>
+              <a:rPr lang="en-US"/>
+              <a:t>Click to edit Master title style</a:t>
+            </a:r>
+          </a:p>
+        </p:txBody>
+      </p:sp>
+      <p:sp>
+        <p:nvSpPr>
+          <p:cNvPr id="3" name="Vertical Text Placeholder 2"/>
+          <p:cNvSpPr>
+            <a:spLocks noGrp="1"/>
+          </p:cNvSpPr>
+          <p:nvPr>
+            <p:ph type="body" orient="vert" idx="1"/>
+          </p:nvPr>
+        </p:nvSpPr>
+        <p:spPr/>
+        <p:txBody>
+          <a:bodyPr vert="eaVert"/>
+          <a:lstStyle/>
+          <a:p>
+            <a:pPr lvl="0"/>
+            <a:r>
+              <a:rPr lang="en-US"/>
+              <a:t>Click to edit Master text styles</a:t>
+            </a:r>
+          </a:p>
+          <a:p>
+            <a:pPr lvl="1"/>
+            <a:r>
+              <a:rPr lang="en-US"/>
+              <a:t>Second level</a:t>
+            </a:r>
+          </a:p>
+          <a:p>
+            <a:pPr lvl="2"/>
+            <a:r>
+              <a:rPr lang="en-US"/>
+              <a:t>Third level</a:t>
+            </a:r>
+          </a:p>
+          <a:p>
+            <a:pPr lvl="3"/>
+            <a:r>
+              <a:rPr lang="en-US"/>
+              <a:t>Fourth level</a:t>
+            </a:r>
+          </a:p>
+          <a:p>
+            <a:pPr lvl="4"/>
+            <a:r>
+              <a:rPr lang="en-US"/>
+              <a:t>Fifth level</a:t>
+            </a:r>
+          </a:p>
+        </p:txBody>
+      </p:sp>
+      <p:sp>
+        <p:nvSpPr>
+          <p:cNvPr id="4" name="Rectangle 1032"/>
+          <p:cNvSpPr>
+            <a:spLocks noGrp="1" noChangeArrowheads="1"/>
+          </p:cNvSpPr>
+          <p:nvPr>
+            <p:ph type="dt" sz="quarter" idx="10"/>
+          </p:nvPr>
+        </p:nvSpPr>
+        <p:spPr>
+          <a:ln/>
+        </p:spPr>
+        <p:txBody>
+          <a:bodyPr/>
+          <a:lstStyle>
+            <a:lvl1pPr>
+              <a:defRPr/>
+            </a:lvl1pPr>
+          </a:lstStyle>
+          <a:p>
+            <a:pPr>
+              <a:defRPr/>
+            </a:pPr>
+            <a:r>
+              <a:rPr lang="en-US"/>
+              <a:t>September, 2005</a:t>
+            </a:r>
+          </a:p>
+        </p:txBody>
+      </p:sp>
+      <p:sp>
+        <p:nvSpPr>
+          <p:cNvPr id="5" name="Rectangle 1034"/>
+          <p:cNvSpPr>
+            <a:spLocks noGrp="1" noChangeArrowheads="1"/>
+          </p:cNvSpPr>
+          <p:nvPr>
+            <p:ph type="sldNum" sz="quarter" idx="11"/>
+          </p:nvPr>
+        </p:nvSpPr>
+        <p:spPr>
+          <a:ln/>
+        </p:spPr>
+        <p:txBody>
+          <a:bodyPr/>
+          <a:lstStyle>
+            <a:lvl1pPr>
+              <a:defRPr/>
+            </a:lvl1pPr>
+          </a:lstStyle>
+          <a:p>
+            <a:pPr>
+              <a:defRPr/>
+            </a:pPr>
+            <a:fld id="{DF083AB8-6E22-4D4E-A2C4-5E19DD5470F7}" type="slidenum">
+              <a:rPr lang="en-US"/>
+              <a:pPr>
+                <a:defRPr/>
+              </a:pPr>
+              <a:t>‹#›</a:t>
+            </a:fld>
+            <a:endParaRPr lang="en-US"/>
+          </a:p>
+        </p:txBody>
+      </p:sp>
+    </p:spTree>
+    <p:extLst>
+      <p:ext uri="{BB962C8B-B14F-4D97-AF65-F5344CB8AC3E}">
+        <p14:creationId xmlns:p14="http://schemas.microsoft.com/office/powerpoint/2010/main" val="2923988877"/>
+      </p:ext>
+    </p:extLst>
+  </p:cSld>
+  <p:clrMapOvr>
+    <a:masterClrMapping/>
+  </p:clrMapOvr>
+</p:sldLayout>
+</file>
+
+<file path=ppt/slideLayouts/slideLayout22.xml><?xml version="1.0" encoding="utf-8"?>
+<p:sldLayout xmlns:a="http://schemas.openxmlformats.org/drawingml/2006/main" xmlns:r="http://schemas.openxmlformats.org/officeDocument/2006/relationships" xmlns:p="http://schemas.openxmlformats.org/presentationml/2006/main" type="vertTitleAndTx" preserve="1">
+  <p:cSld name="Vertical Title and Text">
+    <p:spTree>
+      <p:nvGrpSpPr>
+        <p:cNvPr id="1" name=""/>
+        <p:cNvGrpSpPr/>
+        <p:nvPr/>
+      </p:nvGrpSpPr>
+      <p:grpSpPr>
+        <a:xfrm>
+          <a:off x="0" y="0"/>
+          <a:ext cx="0" cy="0"/>
+          <a:chOff x="0" y="0"/>
+          <a:chExt cx="0" cy="0"/>
+        </a:xfrm>
+      </p:grpSpPr>
+      <p:sp>
+        <p:nvSpPr>
+          <p:cNvPr id="2" name="Vertical Title 1"/>
+          <p:cNvSpPr>
+            <a:spLocks noGrp="1"/>
+          </p:cNvSpPr>
+          <p:nvPr>
+            <p:ph type="title" orient="vert"/>
+          </p:nvPr>
+        </p:nvSpPr>
+        <p:spPr>
+          <a:xfrm>
+            <a:off x="8686800" y="38100"/>
+            <a:ext cx="2590800" cy="5448300"/>
+          </a:xfrm>
+        </p:spPr>
+        <p:txBody>
+          <a:bodyPr vert="eaVert"/>
+          <a:lstStyle/>
+          <a:p>
+            <a:r>
+              <a:rPr lang="en-US"/>
+              <a:t>Click to edit Master title style</a:t>
+            </a:r>
+          </a:p>
+        </p:txBody>
+      </p:sp>
+      <p:sp>
+        <p:nvSpPr>
+          <p:cNvPr id="3" name="Vertical Text Placeholder 2"/>
+          <p:cNvSpPr>
+            <a:spLocks noGrp="1"/>
+          </p:cNvSpPr>
+          <p:nvPr>
+            <p:ph type="body" orient="vert" idx="1"/>
+          </p:nvPr>
+        </p:nvSpPr>
+        <p:spPr>
+          <a:xfrm>
+            <a:off x="914400" y="38100"/>
+            <a:ext cx="7569200" cy="5448300"/>
+          </a:xfrm>
+        </p:spPr>
+        <p:txBody>
+          <a:bodyPr vert="eaVert"/>
+          <a:lstStyle/>
+          <a:p>
+            <a:pPr lvl="0"/>
+            <a:r>
+              <a:rPr lang="en-US"/>
+              <a:t>Click to edit Master text styles</a:t>
+            </a:r>
+          </a:p>
+          <a:p>
+            <a:pPr lvl="1"/>
+            <a:r>
+              <a:rPr lang="en-US"/>
+              <a:t>Second level</a:t>
+            </a:r>
+          </a:p>
+          <a:p>
+            <a:pPr lvl="2"/>
+            <a:r>
+              <a:rPr lang="en-US"/>
+              <a:t>Third level</a:t>
+            </a:r>
+          </a:p>
+          <a:p>
+            <a:pPr lvl="3"/>
+            <a:r>
+              <a:rPr lang="en-US"/>
+              <a:t>Fourth level</a:t>
+            </a:r>
+          </a:p>
+          <a:p>
+            <a:pPr lvl="4"/>
+            <a:r>
+              <a:rPr lang="en-US"/>
+              <a:t>Fifth level</a:t>
+            </a:r>
+          </a:p>
+        </p:txBody>
+      </p:sp>
+      <p:sp>
+        <p:nvSpPr>
+          <p:cNvPr id="4" name="Rectangle 1032"/>
+          <p:cNvSpPr>
+            <a:spLocks noGrp="1" noChangeArrowheads="1"/>
+          </p:cNvSpPr>
+          <p:nvPr>
+            <p:ph type="dt" sz="quarter" idx="10"/>
+          </p:nvPr>
+        </p:nvSpPr>
+        <p:spPr>
+          <a:ln/>
+        </p:spPr>
+        <p:txBody>
+          <a:bodyPr/>
+          <a:lstStyle>
+            <a:lvl1pPr>
+              <a:defRPr/>
+            </a:lvl1pPr>
+          </a:lstStyle>
+          <a:p>
+            <a:pPr>
+              <a:defRPr/>
+            </a:pPr>
+            <a:r>
+              <a:rPr lang="en-US"/>
+              <a:t>September, 2005</a:t>
+            </a:r>
+          </a:p>
+        </p:txBody>
+      </p:sp>
+      <p:sp>
+        <p:nvSpPr>
+          <p:cNvPr id="5" name="Rectangle 1034"/>
+          <p:cNvSpPr>
+            <a:spLocks noGrp="1" noChangeArrowheads="1"/>
+          </p:cNvSpPr>
+          <p:nvPr>
+            <p:ph type="sldNum" sz="quarter" idx="11"/>
+          </p:nvPr>
+        </p:nvSpPr>
+        <p:spPr>
+          <a:ln/>
+        </p:spPr>
+        <p:txBody>
+          <a:bodyPr/>
+          <a:lstStyle>
+            <a:lvl1pPr>
+              <a:defRPr/>
+            </a:lvl1pPr>
+          </a:lstStyle>
+          <a:p>
+            <a:pPr>
+              <a:defRPr/>
+            </a:pPr>
+            <a:fld id="{F0AF1D77-5EAB-4931-BA83-B421B97A193D}" type="slidenum">
+              <a:rPr lang="en-US"/>
+              <a:pPr>
+                <a:defRPr/>
+              </a:pPr>
+              <a:t>‹#›</a:t>
+            </a:fld>
+            <a:endParaRPr lang="en-US"/>
+          </a:p>
+        </p:txBody>
+      </p:sp>
+    </p:spTree>
+    <p:extLst>
+      <p:ext uri="{BB962C8B-B14F-4D97-AF65-F5344CB8AC3E}">
+        <p14:creationId xmlns:p14="http://schemas.microsoft.com/office/powerpoint/2010/main" val="42398639"/>
       </p:ext>
     </p:extLst>
   </p:cSld>
@@ -4489,6 +7335,948 @@
 </p:sldMaster>
 </file>
 
+<file path=ppt/slideMasters/slideMaster2.xml><?xml version="1.0" encoding="utf-8"?>
+<p:sldMaster xmlns:a="http://schemas.openxmlformats.org/drawingml/2006/main" xmlns:r="http://schemas.openxmlformats.org/officeDocument/2006/relationships" xmlns:p="http://schemas.openxmlformats.org/presentationml/2006/main">
+  <p:cSld>
+    <p:bg>
+      <p:bgPr>
+        <a:solidFill>
+          <a:srgbClr val="336699"/>
+        </a:solidFill>
+        <a:effectLst/>
+      </p:bgPr>
+    </p:bg>
+    <p:spTree>
+      <p:nvGrpSpPr>
+        <p:cNvPr id="1" name=""/>
+        <p:cNvGrpSpPr/>
+        <p:nvPr/>
+      </p:nvGrpSpPr>
+      <p:grpSpPr>
+        <a:xfrm>
+          <a:off x="0" y="0"/>
+          <a:ext cx="0" cy="0"/>
+          <a:chOff x="0" y="0"/>
+          <a:chExt cx="0" cy="0"/>
+        </a:xfrm>
+      </p:grpSpPr>
+      <p:pic>
+        <p:nvPicPr>
+          <p:cNvPr id="1026" name="Picture 1041" descr="Banner-2"/>
+          <p:cNvPicPr>
+            <a:picLocks noChangeAspect="1" noChangeArrowheads="1"/>
+          </p:cNvPicPr>
+          <p:nvPr userDrawn="1"/>
+        </p:nvPicPr>
+        <p:blipFill>
+          <a:blip r:embed="rId13">
+            <a:extLst>
+              <a:ext uri="{28A0092B-C50C-407E-A947-70E740481C1C}">
+                <a14:useLocalDpi xmlns:a14="http://schemas.microsoft.com/office/drawing/2010/main" val="0"/>
+              </a:ext>
+            </a:extLst>
+          </a:blip>
+          <a:srcRect/>
+          <a:stretch>
+            <a:fillRect/>
+          </a:stretch>
+        </p:blipFill>
+        <p:spPr bwMode="auto">
+          <a:xfrm>
+            <a:off x="0" y="0"/>
+            <a:ext cx="12192000" cy="914400"/>
+          </a:xfrm>
+          <a:prstGeom prst="rect">
+            <a:avLst/>
+          </a:prstGeom>
+          <a:noFill/>
+          <a:ln>
+            <a:noFill/>
+          </a:ln>
+          <a:extLst>
+            <a:ext uri="{909E8E84-426E-40DD-AFC4-6F175D3DCCD1}">
+              <a14:hiddenFill xmlns:a14="http://schemas.microsoft.com/office/drawing/2010/main">
+                <a:solidFill>
+                  <a:srgbClr val="FFFFFF"/>
+                </a:solidFill>
+              </a14:hiddenFill>
+            </a:ext>
+            <a:ext uri="{91240B29-F687-4F45-9708-019B960494DF}">
+              <a14:hiddenLine xmlns:a14="http://schemas.microsoft.com/office/drawing/2010/main" w="9525">
+                <a:solidFill>
+                  <a:srgbClr val="000000"/>
+                </a:solidFill>
+                <a:miter lim="800000"/>
+                <a:headEnd/>
+                <a:tailEnd/>
+              </a14:hiddenLine>
+            </a:ext>
+          </a:extLst>
+        </p:spPr>
+      </p:pic>
+      <p:sp>
+        <p:nvSpPr>
+          <p:cNvPr id="292877" name="Line 1037"/>
+          <p:cNvSpPr>
+            <a:spLocks noChangeShapeType="1"/>
+          </p:cNvSpPr>
+          <p:nvPr userDrawn="1"/>
+        </p:nvSpPr>
+        <p:spPr bwMode="auto">
+          <a:xfrm>
+            <a:off x="0" y="912813"/>
+            <a:ext cx="12192000" cy="0"/>
+          </a:xfrm>
+          <a:prstGeom prst="line">
+            <a:avLst/>
+          </a:prstGeom>
+          <a:noFill/>
+          <a:ln w="38100">
+            <a:solidFill>
+              <a:srgbClr val="003399"/>
+            </a:solidFill>
+            <a:round/>
+            <a:headEnd/>
+            <a:tailEnd/>
+          </a:ln>
+          <a:effectLst/>
+          <a:extLst>
+            <a:ext uri="{909E8E84-426E-40DD-AFC4-6F175D3DCCD1}">
+              <a14:hiddenFill xmlns:a14="http://schemas.microsoft.com/office/drawing/2010/main">
+                <a:noFill/>
+              </a14:hiddenFill>
+            </a:ext>
+            <a:ext uri="{AF507438-7753-43E0-B8FC-AC1667EBCBE1}">
+              <a14:hiddenEffects xmlns:a14="http://schemas.microsoft.com/office/drawing/2010/main">
+                <a:effectLst>
+                  <a:outerShdw dist="35921" dir="2700000" algn="ctr" rotWithShape="0">
+                    <a:schemeClr val="bg2"/>
+                  </a:outerShdw>
+                </a:effectLst>
+              </a14:hiddenEffects>
+            </a:ext>
+          </a:extLst>
+        </p:spPr>
+        <p:txBody>
+          <a:bodyPr/>
+          <a:lstStyle/>
+          <a:p>
+            <a:pPr>
+              <a:defRPr/>
+            </a:pPr>
+            <a:endParaRPr lang="en-US" sz="1800"/>
+          </a:p>
+        </p:txBody>
+      </p:sp>
+      <p:sp>
+        <p:nvSpPr>
+          <p:cNvPr id="1028" name="Rectangle 1030"/>
+          <p:cNvSpPr>
+            <a:spLocks noGrp="1" noChangeArrowheads="1"/>
+          </p:cNvSpPr>
+          <p:nvPr>
+            <p:ph type="body" idx="1"/>
+          </p:nvPr>
+        </p:nvSpPr>
+        <p:spPr bwMode="auto">
+          <a:xfrm>
+            <a:off x="914400" y="1371600"/>
+            <a:ext cx="10363200" cy="4114800"/>
+          </a:xfrm>
+          <a:prstGeom prst="rect">
+            <a:avLst/>
+          </a:prstGeom>
+          <a:noFill/>
+          <a:ln>
+            <a:noFill/>
+          </a:ln>
+          <a:effectLst/>
+          <a:extLst>
+            <a:ext uri="{909E8E84-426E-40DD-AFC4-6F175D3DCCD1}">
+              <a14:hiddenFill xmlns:a14="http://schemas.microsoft.com/office/drawing/2010/main">
+                <a:solidFill>
+                  <a:schemeClr val="accent1"/>
+                </a:solidFill>
+              </a14:hiddenFill>
+            </a:ext>
+            <a:ext uri="{91240B29-F687-4F45-9708-019B960494DF}">
+              <a14:hiddenLine xmlns:a14="http://schemas.microsoft.com/office/drawing/2010/main" w="9525">
+                <a:solidFill>
+                  <a:schemeClr val="tx1"/>
+                </a:solidFill>
+                <a:miter lim="800000"/>
+                <a:headEnd/>
+                <a:tailEnd/>
+              </a14:hiddenLine>
+            </a:ext>
+            <a:ext uri="{AF507438-7753-43E0-B8FC-AC1667EBCBE1}">
+              <a14:hiddenEffects xmlns:a14="http://schemas.microsoft.com/office/drawing/2010/main">
+                <a:effectLst>
+                  <a:outerShdw dist="35921" dir="2700000" algn="ctr" rotWithShape="0">
+                    <a:schemeClr val="bg2"/>
+                  </a:outerShdw>
+                </a:effectLst>
+              </a14:hiddenEffects>
+            </a:ext>
+          </a:extLst>
+        </p:spPr>
+        <p:txBody>
+          <a:bodyPr vert="horz" wrap="square" lIns="91440" tIns="45720" rIns="91440" bIns="45720" numCol="1" anchor="t" anchorCtr="0" compatLnSpc="1">
+            <a:prstTxWarp prst="textNoShape">
+              <a:avLst/>
+            </a:prstTxWarp>
+          </a:bodyPr>
+          <a:lstStyle/>
+          <a:p>
+            <a:pPr lvl="0"/>
+            <a:r>
+              <a:rPr lang="en-US"/>
+              <a:t>Click to edit Master text styles</a:t>
+            </a:r>
+          </a:p>
+          <a:p>
+            <a:pPr lvl="1"/>
+            <a:r>
+              <a:rPr lang="en-US"/>
+              <a:t>Second level</a:t>
+            </a:r>
+          </a:p>
+          <a:p>
+            <a:pPr lvl="2"/>
+            <a:r>
+              <a:rPr lang="en-US"/>
+              <a:t>Third level</a:t>
+            </a:r>
+          </a:p>
+          <a:p>
+            <a:pPr lvl="3"/>
+            <a:r>
+              <a:rPr lang="en-US"/>
+              <a:t>Fourth level</a:t>
+            </a:r>
+          </a:p>
+          <a:p>
+            <a:pPr lvl="4"/>
+            <a:r>
+              <a:rPr lang="en-US"/>
+              <a:t>Fifth level</a:t>
+            </a:r>
+          </a:p>
+        </p:txBody>
+      </p:sp>
+      <p:sp>
+        <p:nvSpPr>
+          <p:cNvPr id="292872" name="Rectangle 1032"/>
+          <p:cNvSpPr>
+            <a:spLocks noGrp="1" noChangeArrowheads="1"/>
+          </p:cNvSpPr>
+          <p:nvPr>
+            <p:ph type="dt" sz="quarter" idx="2"/>
+          </p:nvPr>
+        </p:nvSpPr>
+        <p:spPr bwMode="auto">
+          <a:xfrm>
+            <a:off x="304800" y="6357938"/>
+            <a:ext cx="2540000" cy="457200"/>
+          </a:xfrm>
+          <a:prstGeom prst="rect">
+            <a:avLst/>
+          </a:prstGeom>
+          <a:noFill/>
+          <a:ln>
+            <a:noFill/>
+          </a:ln>
+          <a:effectLst/>
+          <a:extLst>
+            <a:ext uri="{909E8E84-426E-40DD-AFC4-6F175D3DCCD1}">
+              <a14:hiddenFill xmlns:a14="http://schemas.microsoft.com/office/drawing/2010/main">
+                <a:solidFill>
+                  <a:schemeClr val="accent1"/>
+                </a:solidFill>
+              </a14:hiddenFill>
+            </a:ext>
+            <a:ext uri="{91240B29-F687-4F45-9708-019B960494DF}">
+              <a14:hiddenLine xmlns:a14="http://schemas.microsoft.com/office/drawing/2010/main" w="9525">
+                <a:solidFill>
+                  <a:schemeClr val="tx1"/>
+                </a:solidFill>
+                <a:miter lim="800000"/>
+                <a:headEnd/>
+                <a:tailEnd/>
+              </a14:hiddenLine>
+            </a:ext>
+            <a:ext uri="{AF507438-7753-43E0-B8FC-AC1667EBCBE1}">
+              <a14:hiddenEffects xmlns:a14="http://schemas.microsoft.com/office/drawing/2010/main">
+                <a:effectLst>
+                  <a:outerShdw dist="35921" dir="2700000" algn="ctr" rotWithShape="0">
+                    <a:schemeClr val="bg2"/>
+                  </a:outerShdw>
+                </a:effectLst>
+              </a14:hiddenEffects>
+            </a:ext>
+          </a:extLst>
+        </p:spPr>
+        <p:txBody>
+          <a:bodyPr vert="horz" wrap="square" lIns="92075" tIns="46038" rIns="92075" bIns="46038" numCol="1" anchor="ctr" anchorCtr="0" compatLnSpc="1">
+            <a:prstTxWarp prst="textNoShape">
+              <a:avLst/>
+            </a:prstTxWarp>
+          </a:bodyPr>
+          <a:lstStyle>
+            <a:lvl1pPr>
+              <a:buClrTx/>
+              <a:buSzTx/>
+              <a:buFontTx/>
+              <a:buNone/>
+              <a:defRPr sz="1400" smtClean="0">
+                <a:effectLst/>
+                <a:latin typeface="Times New Roman" pitchFamily="18" charset="0"/>
+              </a:defRPr>
+            </a:lvl1pPr>
+          </a:lstStyle>
+          <a:p>
+            <a:pPr>
+              <a:defRPr/>
+            </a:pPr>
+            <a:r>
+              <a:rPr lang="en-US"/>
+              <a:t>September, 2005</a:t>
+            </a:r>
+          </a:p>
+        </p:txBody>
+      </p:sp>
+      <p:sp>
+        <p:nvSpPr>
+          <p:cNvPr id="292874" name="Rectangle 1034"/>
+          <p:cNvSpPr>
+            <a:spLocks noGrp="1" noChangeArrowheads="1"/>
+          </p:cNvSpPr>
+          <p:nvPr>
+            <p:ph type="sldNum" sz="quarter" idx="4"/>
+          </p:nvPr>
+        </p:nvSpPr>
+        <p:spPr bwMode="auto">
+          <a:xfrm>
+            <a:off x="10168467" y="6337300"/>
+            <a:ext cx="1727200" cy="457200"/>
+          </a:xfrm>
+          <a:prstGeom prst="rect">
+            <a:avLst/>
+          </a:prstGeom>
+          <a:noFill/>
+          <a:ln>
+            <a:noFill/>
+          </a:ln>
+          <a:effectLst/>
+          <a:extLst>
+            <a:ext uri="{909E8E84-426E-40DD-AFC4-6F175D3DCCD1}">
+              <a14:hiddenFill xmlns:a14="http://schemas.microsoft.com/office/drawing/2010/main">
+                <a:solidFill>
+                  <a:schemeClr val="accent1"/>
+                </a:solidFill>
+              </a14:hiddenFill>
+            </a:ext>
+            <a:ext uri="{91240B29-F687-4F45-9708-019B960494DF}">
+              <a14:hiddenLine xmlns:a14="http://schemas.microsoft.com/office/drawing/2010/main" w="9525">
+                <a:solidFill>
+                  <a:schemeClr val="tx1"/>
+                </a:solidFill>
+                <a:miter lim="800000"/>
+                <a:headEnd/>
+                <a:tailEnd/>
+              </a14:hiddenLine>
+            </a:ext>
+            <a:ext uri="{AF507438-7753-43E0-B8FC-AC1667EBCBE1}">
+              <a14:hiddenEffects xmlns:a14="http://schemas.microsoft.com/office/drawing/2010/main">
+                <a:effectLst>
+                  <a:outerShdw dist="35921" dir="2700000" algn="ctr" rotWithShape="0">
+                    <a:schemeClr val="bg2"/>
+                  </a:outerShdw>
+                </a:effectLst>
+              </a14:hiddenEffects>
+            </a:ext>
+          </a:extLst>
+        </p:spPr>
+        <p:txBody>
+          <a:bodyPr vert="horz" wrap="square" lIns="92075" tIns="46038" rIns="92075" bIns="46038" numCol="1" anchor="ctr" anchorCtr="0" compatLnSpc="1">
+            <a:prstTxWarp prst="textNoShape">
+              <a:avLst/>
+            </a:prstTxWarp>
+          </a:bodyPr>
+          <a:lstStyle>
+            <a:lvl1pPr algn="ctr">
+              <a:buClrTx/>
+              <a:buSzTx/>
+              <a:buFontTx/>
+              <a:buNone/>
+              <a:defRPr sz="1600" b="1" smtClean="0">
+                <a:effectLst/>
+                <a:latin typeface="Times New Roman" pitchFamily="18" charset="0"/>
+              </a:defRPr>
+            </a:lvl1pPr>
+          </a:lstStyle>
+          <a:p>
+            <a:pPr>
+              <a:defRPr/>
+            </a:pPr>
+            <a:fld id="{2EAE2D7D-E187-4D6F-B595-937C714ACF48}" type="slidenum">
+              <a:rPr lang="en-US"/>
+              <a:pPr>
+                <a:defRPr/>
+              </a:pPr>
+              <a:t>‹#›</a:t>
+            </a:fld>
+            <a:endParaRPr lang="en-US"/>
+          </a:p>
+        </p:txBody>
+      </p:sp>
+      <p:pic>
+        <p:nvPicPr>
+          <p:cNvPr id="1031" name="Picture 1038" descr="tagline"/>
+          <p:cNvPicPr>
+            <a:picLocks noChangeAspect="1" noChangeArrowheads="1"/>
+          </p:cNvPicPr>
+          <p:nvPr userDrawn="1"/>
+        </p:nvPicPr>
+        <p:blipFill>
+          <a:blip r:embed="rId14">
+            <a:extLst>
+              <a:ext uri="{28A0092B-C50C-407E-A947-70E740481C1C}">
+                <a14:useLocalDpi xmlns:a14="http://schemas.microsoft.com/office/drawing/2010/main" val="0"/>
+              </a:ext>
+            </a:extLst>
+          </a:blip>
+          <a:srcRect/>
+          <a:stretch>
+            <a:fillRect/>
+          </a:stretch>
+        </p:blipFill>
+        <p:spPr bwMode="auto">
+          <a:xfrm>
+            <a:off x="3454400" y="6429375"/>
+            <a:ext cx="5283200" cy="349250"/>
+          </a:xfrm>
+          <a:prstGeom prst="rect">
+            <a:avLst/>
+          </a:prstGeom>
+          <a:noFill/>
+          <a:ln>
+            <a:noFill/>
+          </a:ln>
+          <a:extLst>
+            <a:ext uri="{909E8E84-426E-40DD-AFC4-6F175D3DCCD1}">
+              <a14:hiddenFill xmlns:a14="http://schemas.microsoft.com/office/drawing/2010/main">
+                <a:solidFill>
+                  <a:srgbClr val="FFFFFF"/>
+                </a:solidFill>
+              </a14:hiddenFill>
+            </a:ext>
+            <a:ext uri="{91240B29-F687-4F45-9708-019B960494DF}">
+              <a14:hiddenLine xmlns:a14="http://schemas.microsoft.com/office/drawing/2010/main" w="9525">
+                <a:solidFill>
+                  <a:srgbClr val="000000"/>
+                </a:solidFill>
+                <a:miter lim="800000"/>
+                <a:headEnd/>
+                <a:tailEnd/>
+              </a14:hiddenLine>
+            </a:ext>
+          </a:extLst>
+        </p:spPr>
+      </p:pic>
+      <p:sp>
+        <p:nvSpPr>
+          <p:cNvPr id="1032" name="Rectangle 1029"/>
+          <p:cNvSpPr>
+            <a:spLocks noGrp="1" noChangeArrowheads="1"/>
+          </p:cNvSpPr>
+          <p:nvPr>
+            <p:ph type="title"/>
+          </p:nvPr>
+        </p:nvSpPr>
+        <p:spPr bwMode="auto">
+          <a:xfrm>
+            <a:off x="914400" y="38100"/>
+            <a:ext cx="10363200" cy="863600"/>
+          </a:xfrm>
+          <a:prstGeom prst="rect">
+            <a:avLst/>
+          </a:prstGeom>
+          <a:noFill/>
+          <a:ln>
+            <a:noFill/>
+          </a:ln>
+          <a:effectLst/>
+          <a:extLst>
+            <a:ext uri="{909E8E84-426E-40DD-AFC4-6F175D3DCCD1}">
+              <a14:hiddenFill xmlns:a14="http://schemas.microsoft.com/office/drawing/2010/main">
+                <a:solidFill>
+                  <a:schemeClr val="bg2"/>
+                </a:solidFill>
+              </a14:hiddenFill>
+            </a:ext>
+            <a:ext uri="{91240B29-F687-4F45-9708-019B960494DF}">
+              <a14:hiddenLine xmlns:a14="http://schemas.microsoft.com/office/drawing/2010/main" w="9525">
+                <a:solidFill>
+                  <a:schemeClr val="tx1"/>
+                </a:solidFill>
+                <a:miter lim="800000"/>
+                <a:headEnd/>
+                <a:tailEnd/>
+              </a14:hiddenLine>
+            </a:ext>
+            <a:ext uri="{AF507438-7753-43E0-B8FC-AC1667EBCBE1}">
+              <a14:hiddenEffects xmlns:a14="http://schemas.microsoft.com/office/drawing/2010/main">
+                <a:effectLst>
+                  <a:outerShdw dist="35921" dir="2700000" algn="ctr" rotWithShape="0">
+                    <a:schemeClr val="bg2"/>
+                  </a:outerShdw>
+                </a:effectLst>
+              </a14:hiddenEffects>
+            </a:ext>
+          </a:extLst>
+        </p:spPr>
+        <p:txBody>
+          <a:bodyPr vert="horz" wrap="square" lIns="92075" tIns="46038" rIns="92075" bIns="46038" numCol="1" anchor="ctr" anchorCtr="0" compatLnSpc="1">
+            <a:prstTxWarp prst="textNoShape">
+              <a:avLst/>
+            </a:prstTxWarp>
+          </a:bodyPr>
+          <a:lstStyle/>
+          <a:p>
+            <a:pPr lvl="0"/>
+            <a:r>
+              <a:rPr lang="en-US"/>
+              <a:t>Click to edit Master title style</a:t>
+            </a:r>
+          </a:p>
+        </p:txBody>
+      </p:sp>
+    </p:spTree>
+    <p:extLst>
+      <p:ext uri="{BB962C8B-B14F-4D97-AF65-F5344CB8AC3E}">
+        <p14:creationId xmlns:p14="http://schemas.microsoft.com/office/powerpoint/2010/main" val="75572828"/>
+      </p:ext>
+    </p:extLst>
+  </p:cSld>
+  <p:clrMap bg1="dk2" tx1="lt1" bg2="dk1" tx2="lt2" accent1="accent1" accent2="accent2" accent3="accent3" accent4="accent4" accent5="accent5" accent6="accent6" hlink="hlink" folHlink="folHlink"/>
+  <p:sldLayoutIdLst>
+    <p:sldLayoutId id="2147483661" r:id="rId1"/>
+    <p:sldLayoutId id="2147483662" r:id="rId2"/>
+    <p:sldLayoutId id="2147483663" r:id="rId3"/>
+    <p:sldLayoutId id="2147483664" r:id="rId4"/>
+    <p:sldLayoutId id="2147483665" r:id="rId5"/>
+    <p:sldLayoutId id="2147483666" r:id="rId6"/>
+    <p:sldLayoutId id="2147483667" r:id="rId7"/>
+    <p:sldLayoutId id="2147483668" r:id="rId8"/>
+    <p:sldLayoutId id="2147483669" r:id="rId9"/>
+    <p:sldLayoutId id="2147483670" r:id="rId10"/>
+    <p:sldLayoutId id="2147483671" r:id="rId11"/>
+  </p:sldLayoutIdLst>
+  <p:hf hdr="0" ftr="0" dt="0"/>
+  <p:txStyles>
+    <p:titleStyle>
+      <a:lvl1pPr algn="ctr" rtl="0" eaLnBrk="0" fontAlgn="base" hangingPunct="0">
+        <a:spcBef>
+          <a:spcPct val="0"/>
+        </a:spcBef>
+        <a:spcAft>
+          <a:spcPct val="0"/>
+        </a:spcAft>
+        <a:defRPr sz="4400">
+          <a:solidFill>
+            <a:schemeClr val="bg2"/>
+          </a:solidFill>
+          <a:latin typeface="+mj-lt"/>
+          <a:ea typeface="+mj-ea"/>
+          <a:cs typeface="+mj-cs"/>
+        </a:defRPr>
+      </a:lvl1pPr>
+      <a:lvl2pPr algn="ctr" rtl="0" eaLnBrk="0" fontAlgn="base" hangingPunct="0">
+        <a:spcBef>
+          <a:spcPct val="0"/>
+        </a:spcBef>
+        <a:spcAft>
+          <a:spcPct val="0"/>
+        </a:spcAft>
+        <a:defRPr sz="4400">
+          <a:solidFill>
+            <a:schemeClr val="bg2"/>
+          </a:solidFill>
+          <a:latin typeface="Arial" pitchFamily="34" charset="0"/>
+        </a:defRPr>
+      </a:lvl2pPr>
+      <a:lvl3pPr algn="ctr" rtl="0" eaLnBrk="0" fontAlgn="base" hangingPunct="0">
+        <a:spcBef>
+          <a:spcPct val="0"/>
+        </a:spcBef>
+        <a:spcAft>
+          <a:spcPct val="0"/>
+        </a:spcAft>
+        <a:defRPr sz="4400">
+          <a:solidFill>
+            <a:schemeClr val="bg2"/>
+          </a:solidFill>
+          <a:latin typeface="Arial" pitchFamily="34" charset="0"/>
+        </a:defRPr>
+      </a:lvl3pPr>
+      <a:lvl4pPr algn="ctr" rtl="0" eaLnBrk="0" fontAlgn="base" hangingPunct="0">
+        <a:spcBef>
+          <a:spcPct val="0"/>
+        </a:spcBef>
+        <a:spcAft>
+          <a:spcPct val="0"/>
+        </a:spcAft>
+        <a:defRPr sz="4400">
+          <a:solidFill>
+            <a:schemeClr val="bg2"/>
+          </a:solidFill>
+          <a:latin typeface="Arial" pitchFamily="34" charset="0"/>
+        </a:defRPr>
+      </a:lvl4pPr>
+      <a:lvl5pPr algn="ctr" rtl="0" eaLnBrk="0" fontAlgn="base" hangingPunct="0">
+        <a:spcBef>
+          <a:spcPct val="0"/>
+        </a:spcBef>
+        <a:spcAft>
+          <a:spcPct val="0"/>
+        </a:spcAft>
+        <a:defRPr sz="4400">
+          <a:solidFill>
+            <a:schemeClr val="bg2"/>
+          </a:solidFill>
+          <a:latin typeface="Arial" pitchFamily="34" charset="0"/>
+        </a:defRPr>
+      </a:lvl5pPr>
+      <a:lvl6pPr marL="457200" algn="ctr" rtl="0" fontAlgn="base">
+        <a:spcBef>
+          <a:spcPct val="0"/>
+        </a:spcBef>
+        <a:spcAft>
+          <a:spcPct val="0"/>
+        </a:spcAft>
+        <a:defRPr sz="4400">
+          <a:solidFill>
+            <a:schemeClr val="bg2"/>
+          </a:solidFill>
+          <a:latin typeface="Arial" pitchFamily="34" charset="0"/>
+        </a:defRPr>
+      </a:lvl6pPr>
+      <a:lvl7pPr marL="914400" algn="ctr" rtl="0" fontAlgn="base">
+        <a:spcBef>
+          <a:spcPct val="0"/>
+        </a:spcBef>
+        <a:spcAft>
+          <a:spcPct val="0"/>
+        </a:spcAft>
+        <a:defRPr sz="4400">
+          <a:solidFill>
+            <a:schemeClr val="bg2"/>
+          </a:solidFill>
+          <a:latin typeface="Arial" pitchFamily="34" charset="0"/>
+        </a:defRPr>
+      </a:lvl7pPr>
+      <a:lvl8pPr marL="1371600" algn="ctr" rtl="0" fontAlgn="base">
+        <a:spcBef>
+          <a:spcPct val="0"/>
+        </a:spcBef>
+        <a:spcAft>
+          <a:spcPct val="0"/>
+        </a:spcAft>
+        <a:defRPr sz="4400">
+          <a:solidFill>
+            <a:schemeClr val="bg2"/>
+          </a:solidFill>
+          <a:latin typeface="Arial" pitchFamily="34" charset="0"/>
+        </a:defRPr>
+      </a:lvl8pPr>
+      <a:lvl9pPr marL="1828800" algn="ctr" rtl="0" fontAlgn="base">
+        <a:spcBef>
+          <a:spcPct val="0"/>
+        </a:spcBef>
+        <a:spcAft>
+          <a:spcPct val="0"/>
+        </a:spcAft>
+        <a:defRPr sz="4400">
+          <a:solidFill>
+            <a:schemeClr val="bg2"/>
+          </a:solidFill>
+          <a:latin typeface="Arial" pitchFamily="34" charset="0"/>
+        </a:defRPr>
+      </a:lvl9pPr>
+    </p:titleStyle>
+    <p:bodyStyle>
+      <a:lvl1pPr marL="342900" indent="-342900" algn="l" rtl="0" eaLnBrk="0" fontAlgn="base" hangingPunct="0">
+        <a:spcBef>
+          <a:spcPct val="20000"/>
+        </a:spcBef>
+        <a:spcAft>
+          <a:spcPct val="20000"/>
+        </a:spcAft>
+        <a:buClr>
+          <a:schemeClr val="accent1"/>
+        </a:buClr>
+        <a:buSzPct val="80000"/>
+        <a:buFont typeface="Wingdings" pitchFamily="2" charset="2"/>
+        <a:buBlip>
+          <a:blip r:embed="rId15"/>
+        </a:buBlip>
+        <a:defRPr sz="2800" b="1">
+          <a:solidFill>
+            <a:schemeClr val="tx1"/>
+          </a:solidFill>
+          <a:latin typeface="+mn-lt"/>
+          <a:ea typeface="+mn-ea"/>
+          <a:cs typeface="+mn-cs"/>
+        </a:defRPr>
+      </a:lvl1pPr>
+      <a:lvl2pPr marL="742950" indent="-285750" algn="l" rtl="0" eaLnBrk="0" fontAlgn="base" hangingPunct="0">
+        <a:spcBef>
+          <a:spcPct val="20000"/>
+        </a:spcBef>
+        <a:spcAft>
+          <a:spcPct val="0"/>
+        </a:spcAft>
+        <a:buClr>
+          <a:srgbClr val="FF0066"/>
+        </a:buClr>
+        <a:buSzPct val="90000"/>
+        <a:buFont typeface="Wingdings" pitchFamily="2" charset="2"/>
+        <a:buChar char="Ø"/>
+        <a:defRPr sz="2400">
+          <a:solidFill>
+            <a:schemeClr val="tx1"/>
+          </a:solidFill>
+          <a:latin typeface="+mn-lt"/>
+        </a:defRPr>
+      </a:lvl2pPr>
+      <a:lvl3pPr marL="1143000" indent="-228600" algn="l" rtl="0" eaLnBrk="0" fontAlgn="base" hangingPunct="0">
+        <a:spcBef>
+          <a:spcPct val="20000"/>
+        </a:spcBef>
+        <a:spcAft>
+          <a:spcPct val="0"/>
+        </a:spcAft>
+        <a:buClr>
+          <a:srgbClr val="FF0066"/>
+        </a:buClr>
+        <a:buSzPct val="60000"/>
+        <a:buChar char="•"/>
+        <a:defRPr sz="2000">
+          <a:solidFill>
+            <a:schemeClr val="tx1"/>
+          </a:solidFill>
+          <a:latin typeface="+mn-lt"/>
+        </a:defRPr>
+      </a:lvl3pPr>
+      <a:lvl4pPr marL="1600200" indent="-228600" algn="l" rtl="0" eaLnBrk="0" fontAlgn="base" hangingPunct="0">
+        <a:spcBef>
+          <a:spcPct val="20000"/>
+        </a:spcBef>
+        <a:spcAft>
+          <a:spcPct val="0"/>
+        </a:spcAft>
+        <a:buClr>
+          <a:schemeClr val="tx1"/>
+        </a:buClr>
+        <a:buChar char="–"/>
+        <a:defRPr>
+          <a:solidFill>
+            <a:schemeClr val="tx1"/>
+          </a:solidFill>
+          <a:latin typeface="+mn-lt"/>
+        </a:defRPr>
+      </a:lvl4pPr>
+      <a:lvl5pPr marL="2057400" indent="-228600" algn="l" rtl="0" eaLnBrk="0" fontAlgn="base" hangingPunct="0">
+        <a:spcBef>
+          <a:spcPct val="20000"/>
+        </a:spcBef>
+        <a:spcAft>
+          <a:spcPct val="0"/>
+        </a:spcAft>
+        <a:buClr>
+          <a:schemeClr val="accent1"/>
+        </a:buClr>
+        <a:buChar char="•"/>
+        <a:defRPr sz="1600">
+          <a:solidFill>
+            <a:schemeClr val="tx1"/>
+          </a:solidFill>
+          <a:latin typeface="+mn-lt"/>
+        </a:defRPr>
+      </a:lvl5pPr>
+      <a:lvl6pPr marL="2514600" indent="-228600" algn="l" rtl="0" fontAlgn="base">
+        <a:spcBef>
+          <a:spcPct val="20000"/>
+        </a:spcBef>
+        <a:spcAft>
+          <a:spcPct val="0"/>
+        </a:spcAft>
+        <a:buClr>
+          <a:schemeClr val="accent1"/>
+        </a:buClr>
+        <a:buChar char="•"/>
+        <a:defRPr sz="1600">
+          <a:solidFill>
+            <a:schemeClr val="tx1"/>
+          </a:solidFill>
+          <a:latin typeface="+mn-lt"/>
+        </a:defRPr>
+      </a:lvl6pPr>
+      <a:lvl7pPr marL="2971800" indent="-228600" algn="l" rtl="0" fontAlgn="base">
+        <a:spcBef>
+          <a:spcPct val="20000"/>
+        </a:spcBef>
+        <a:spcAft>
+          <a:spcPct val="0"/>
+        </a:spcAft>
+        <a:buClr>
+          <a:schemeClr val="accent1"/>
+        </a:buClr>
+        <a:buChar char="•"/>
+        <a:defRPr sz="1600">
+          <a:solidFill>
+            <a:schemeClr val="tx1"/>
+          </a:solidFill>
+          <a:latin typeface="+mn-lt"/>
+        </a:defRPr>
+      </a:lvl7pPr>
+      <a:lvl8pPr marL="3429000" indent="-228600" algn="l" rtl="0" fontAlgn="base">
+        <a:spcBef>
+          <a:spcPct val="20000"/>
+        </a:spcBef>
+        <a:spcAft>
+          <a:spcPct val="0"/>
+        </a:spcAft>
+        <a:buClr>
+          <a:schemeClr val="accent1"/>
+        </a:buClr>
+        <a:buChar char="•"/>
+        <a:defRPr sz="1600">
+          <a:solidFill>
+            <a:schemeClr val="tx1"/>
+          </a:solidFill>
+          <a:latin typeface="+mn-lt"/>
+        </a:defRPr>
+      </a:lvl8pPr>
+      <a:lvl9pPr marL="3886200" indent="-228600" algn="l" rtl="0" fontAlgn="base">
+        <a:spcBef>
+          <a:spcPct val="20000"/>
+        </a:spcBef>
+        <a:spcAft>
+          <a:spcPct val="0"/>
+        </a:spcAft>
+        <a:buClr>
+          <a:schemeClr val="accent1"/>
+        </a:buClr>
+        <a:buChar char="•"/>
+        <a:defRPr sz="1600">
+          <a:solidFill>
+            <a:schemeClr val="tx1"/>
+          </a:solidFill>
+          <a:latin typeface="+mn-lt"/>
+        </a:defRPr>
+      </a:lvl9pPr>
+    </p:bodyStyle>
+    <p:otherStyle>
+      <a:defPPr>
+        <a:defRPr lang="en-US"/>
+      </a:defPPr>
+      <a:lvl1pPr marL="0" algn="l" defTabSz="914400" rtl="0" eaLnBrk="1" latinLnBrk="0" hangingPunct="1">
+        <a:defRPr sz="1800" kern="1200">
+          <a:solidFill>
+            <a:schemeClr val="tx1"/>
+          </a:solidFill>
+          <a:latin typeface="+mn-lt"/>
+          <a:ea typeface="+mn-ea"/>
+          <a:cs typeface="+mn-cs"/>
+        </a:defRPr>
+      </a:lvl1pPr>
+      <a:lvl2pPr marL="457200" algn="l" defTabSz="914400" rtl="0" eaLnBrk="1" latinLnBrk="0" hangingPunct="1">
+        <a:defRPr sz="1800" kern="1200">
+          <a:solidFill>
+            <a:schemeClr val="tx1"/>
+          </a:solidFill>
+          <a:latin typeface="+mn-lt"/>
+          <a:ea typeface="+mn-ea"/>
+          <a:cs typeface="+mn-cs"/>
+        </a:defRPr>
+      </a:lvl2pPr>
+      <a:lvl3pPr marL="914400" algn="l" defTabSz="914400" rtl="0" eaLnBrk="1" latinLnBrk="0" hangingPunct="1">
+        <a:defRPr sz="1800" kern="1200">
+          <a:solidFill>
+            <a:schemeClr val="tx1"/>
+          </a:solidFill>
+          <a:latin typeface="+mn-lt"/>
+          <a:ea typeface="+mn-ea"/>
+          <a:cs typeface="+mn-cs"/>
+        </a:defRPr>
+      </a:lvl3pPr>
+      <a:lvl4pPr marL="1371600" algn="l" defTabSz="914400" rtl="0" eaLnBrk="1" latinLnBrk="0" hangingPunct="1">
+        <a:defRPr sz="1800" kern="1200">
+          <a:solidFill>
+            <a:schemeClr val="tx1"/>
+          </a:solidFill>
+          <a:latin typeface="+mn-lt"/>
+          <a:ea typeface="+mn-ea"/>
+          <a:cs typeface="+mn-cs"/>
+        </a:defRPr>
+      </a:lvl4pPr>
+      <a:lvl5pPr marL="1828800" algn="l" defTabSz="914400" rtl="0" eaLnBrk="1" latinLnBrk="0" hangingPunct="1">
+        <a:defRPr sz="1800" kern="1200">
+          <a:solidFill>
+            <a:schemeClr val="tx1"/>
+          </a:solidFill>
+          <a:latin typeface="+mn-lt"/>
+          <a:ea typeface="+mn-ea"/>
+          <a:cs typeface="+mn-cs"/>
+        </a:defRPr>
+      </a:lvl5pPr>
+      <a:lvl6pPr marL="2286000" algn="l" defTabSz="914400" rtl="0" eaLnBrk="1" latinLnBrk="0" hangingPunct="1">
+        <a:defRPr sz="1800" kern="1200">
+          <a:solidFill>
+            <a:schemeClr val="tx1"/>
+          </a:solidFill>
+          <a:latin typeface="+mn-lt"/>
+          <a:ea typeface="+mn-ea"/>
+          <a:cs typeface="+mn-cs"/>
+        </a:defRPr>
+      </a:lvl6pPr>
+      <a:lvl7pPr marL="2743200" algn="l" defTabSz="914400" rtl="0" eaLnBrk="1" latinLnBrk="0" hangingPunct="1">
+        <a:defRPr sz="1800" kern="1200">
+          <a:solidFill>
+            <a:schemeClr val="tx1"/>
+          </a:solidFill>
+          <a:latin typeface="+mn-lt"/>
+          <a:ea typeface="+mn-ea"/>
+          <a:cs typeface="+mn-cs"/>
+        </a:defRPr>
+      </a:lvl7pPr>
+      <a:lvl8pPr marL="3200400" algn="l" defTabSz="914400" rtl="0" eaLnBrk="1" latinLnBrk="0" hangingPunct="1">
+        <a:defRPr sz="1800" kern="1200">
+          <a:solidFill>
+            <a:schemeClr val="tx1"/>
+          </a:solidFill>
+          <a:latin typeface="+mn-lt"/>
+          <a:ea typeface="+mn-ea"/>
+          <a:cs typeface="+mn-cs"/>
+        </a:defRPr>
+      </a:lvl8pPr>
+      <a:lvl9pPr marL="3657600" algn="l" defTabSz="914400" rtl="0" eaLnBrk="1" latinLnBrk="0" hangingPunct="1">
+        <a:defRPr sz="1800" kern="1200">
+          <a:solidFill>
+            <a:schemeClr val="tx1"/>
+          </a:solidFill>
+          <a:latin typeface="+mn-lt"/>
+          <a:ea typeface="+mn-ea"/>
+          <a:cs typeface="+mn-cs"/>
+        </a:defRPr>
+      </a:lvl9pPr>
+    </p:otherStyle>
+  </p:txStyles>
+</p:sldMaster>
+</file>
+
 <file path=ppt/slides/slide1.xml><?xml version="1.0" encoding="utf-8"?>
 <p:sld xmlns:a="http://schemas.openxmlformats.org/drawingml/2006/main" xmlns:r="http://schemas.openxmlformats.org/officeDocument/2006/relationships" xmlns:p="http://schemas.openxmlformats.org/presentationml/2006/main">
   <p:cSld>
@@ -4508,93 +8296,180 @@
       </p:grpSpPr>
       <p:sp>
         <p:nvSpPr>
-          <p:cNvPr id="2" name="Title 1">
-            <a:extLst>
-              <a:ext uri="{FF2B5EF4-FFF2-40B4-BE49-F238E27FC236}">
-                <a16:creationId xmlns:a16="http://schemas.microsoft.com/office/drawing/2014/main" id="{A0C93307-CBCC-5F95-6722-49842F6ADB97}"/>
-              </a:ext>
-            </a:extLst>
-          </p:cNvPr>
-          <p:cNvSpPr>
-            <a:spLocks noGrp="1"/>
+          <p:cNvPr id="4" name="Rectangle 9"/>
+          <p:cNvSpPr>
+            <a:spLocks noGrp="1" noChangeArrowheads="1"/>
+          </p:cNvSpPr>
+          <p:nvPr>
+            <p:ph type="sldNum" sz="quarter" idx="10"/>
+          </p:nvPr>
+        </p:nvSpPr>
+        <p:spPr/>
+        <p:txBody>
+          <a:bodyPr/>
+          <a:lstStyle/>
+          <a:p>
+            <a:pPr fontAlgn="base">
+              <a:spcBef>
+                <a:spcPct val="0"/>
+              </a:spcBef>
+              <a:spcAft>
+                <a:spcPct val="0"/>
+              </a:spcAft>
+              <a:defRPr/>
+            </a:pPr>
+            <a:fld id="{02ECC5DF-419D-4606-8C61-3AAFC0734695}" type="slidenum">
+              <a:rPr lang="en-US">
+                <a:solidFill>
+                  <a:srgbClr val="FFFFFF"/>
+                </a:solidFill>
+                <a:latin typeface="Arial"/>
+              </a:rPr>
+              <a:pPr fontAlgn="base">
+                <a:spcBef>
+                  <a:spcPct val="0"/>
+                </a:spcBef>
+                <a:spcAft>
+                  <a:spcPct val="0"/>
+                </a:spcAft>
+                <a:defRPr/>
+              </a:pPr>
+              <a:t>1</a:t>
+            </a:fld>
+            <a:endParaRPr lang="en-US">
+              <a:solidFill>
+                <a:srgbClr val="FFFFFF"/>
+              </a:solidFill>
+              <a:latin typeface="Arial"/>
+            </a:endParaRPr>
+          </a:p>
+        </p:txBody>
+      </p:sp>
+      <p:sp>
+        <p:nvSpPr>
+          <p:cNvPr id="8195" name="Rectangle 2052"/>
+          <p:cNvSpPr>
+            <a:spLocks noGrp="1" noChangeArrowheads="1"/>
+          </p:cNvSpPr>
+          <p:nvPr>
+            <p:ph type="subTitle" idx="1"/>
+          </p:nvPr>
+        </p:nvSpPr>
+        <p:spPr>
+          <a:xfrm>
+            <a:off x="1752600" y="5105400"/>
+            <a:ext cx="6400800" cy="838200"/>
+          </a:xfrm>
+          <a:noFill/>
+        </p:spPr>
+        <p:txBody>
+          <a:bodyPr/>
+          <a:lstStyle/>
+          <a:p>
+            <a:pPr eaLnBrk="1" hangingPunct="1">
+              <a:lnSpc>
+                <a:spcPct val="90000"/>
+              </a:lnSpc>
+              <a:spcAft>
+                <a:spcPct val="0"/>
+              </a:spcAft>
+              <a:buClrTx/>
+              <a:buSzTx/>
+              <a:buFontTx/>
+              <a:buNone/>
+            </a:pPr>
+            <a:r>
+              <a:rPr lang="en-US" dirty="0">
+                <a:solidFill>
+                  <a:schemeClr val="bg2"/>
+                </a:solidFill>
+                <a:effectLst/>
+              </a:rPr>
+              <a:t>John Moehrke (By-Light) </a:t>
+            </a:r>
+          </a:p>
+          <a:p>
+            <a:pPr marL="342900" indent="-342900" eaLnBrk="1" hangingPunct="1">
+              <a:lnSpc>
+                <a:spcPct val="90000"/>
+              </a:lnSpc>
+              <a:spcAft>
+                <a:spcPct val="0"/>
+              </a:spcAft>
+              <a:buClrTx/>
+              <a:buSzTx/>
+              <a:buFontTx/>
+              <a:buChar char="-"/>
+            </a:pPr>
+            <a:r>
+              <a:rPr lang="en-US" dirty="0">
+                <a:solidFill>
+                  <a:schemeClr val="bg2"/>
+                </a:solidFill>
+                <a:effectLst/>
+              </a:rPr>
+              <a:t>IHE IT-Infrastructure co-chair</a:t>
+            </a:r>
+          </a:p>
+          <a:p>
+            <a:pPr marL="342900" indent="-342900" eaLnBrk="1" hangingPunct="1">
+              <a:lnSpc>
+                <a:spcPct val="90000"/>
+              </a:lnSpc>
+              <a:spcAft>
+                <a:spcPct val="0"/>
+              </a:spcAft>
+              <a:buClrTx/>
+              <a:buSzTx/>
+              <a:buFontTx/>
+              <a:buChar char="-"/>
+            </a:pPr>
+            <a:r>
+              <a:rPr lang="en-US" dirty="0">
+                <a:solidFill>
+                  <a:schemeClr val="bg2"/>
+                </a:solidFill>
+                <a:effectLst/>
+              </a:rPr>
+              <a:t>HL7 Security WG co-chair</a:t>
+            </a:r>
+          </a:p>
+        </p:txBody>
+      </p:sp>
+      <p:sp>
+        <p:nvSpPr>
+          <p:cNvPr id="8196" name="Rectangle 2053"/>
+          <p:cNvSpPr>
+            <a:spLocks noGrp="1" noChangeArrowheads="1"/>
           </p:cNvSpPr>
           <p:nvPr>
             <p:ph type="ctrTitle"/>
           </p:nvPr>
         </p:nvSpPr>
-        <p:spPr/>
+        <p:spPr>
+          <a:xfrm>
+            <a:off x="2209800" y="1066800"/>
+            <a:ext cx="7772400" cy="3657600"/>
+          </a:xfrm>
+        </p:spPr>
         <p:txBody>
           <a:bodyPr/>
           <a:lstStyle/>
           <a:p>
-            <a:r>
-              <a:rPr lang="en-US" dirty="0"/>
-              <a:t>Privacy Consent on FHIR</a:t>
-            </a:r>
-          </a:p>
-        </p:txBody>
-      </p:sp>
-      <p:sp>
-        <p:nvSpPr>
-          <p:cNvPr id="3" name="Subtitle 2">
-            <a:extLst>
-              <a:ext uri="{FF2B5EF4-FFF2-40B4-BE49-F238E27FC236}">
-                <a16:creationId xmlns:a16="http://schemas.microsoft.com/office/drawing/2014/main" id="{5F762203-B9C6-744E-A54F-D097D616EDCA}"/>
-              </a:ext>
-            </a:extLst>
-          </p:cNvPr>
-          <p:cNvSpPr>
-            <a:spLocks noGrp="1"/>
-          </p:cNvSpPr>
-          <p:nvPr>
-            <p:ph type="subTitle" idx="1"/>
-          </p:nvPr>
-        </p:nvSpPr>
-        <p:spPr/>
-        <p:txBody>
-          <a:bodyPr>
-            <a:normAutofit fontScale="70000" lnSpcReduction="20000"/>
-          </a:bodyPr>
-          <a:lstStyle/>
-          <a:p>
-            <a:r>
-              <a:rPr lang="en-US" sz="4000" dirty="0"/>
-              <a:t>How to record, assert, and enforce</a:t>
-            </a:r>
-          </a:p>
-          <a:p>
-            <a:endParaRPr lang="en-US" dirty="0"/>
-          </a:p>
-          <a:p>
-            <a:r>
-              <a:rPr lang="en-US" dirty="0"/>
-              <a:t>John Moehrke – ByLight Consulting</a:t>
-            </a:r>
-          </a:p>
-          <a:p>
-            <a:r>
-              <a:rPr lang="en-US" dirty="0"/>
-              <a:t>IHE IT-Infrastructure Co-Chair</a:t>
-            </a:r>
-          </a:p>
-          <a:p>
-            <a:r>
-              <a:rPr lang="en-US" dirty="0"/>
-              <a:t>HL7 Security Workgroup Co-Chair</a:t>
+            <a:pPr eaLnBrk="1" hangingPunct="1"/>
+            <a:r>
+              <a:rPr lang="en-US" sz="4800" b="1" dirty="0"/>
+              <a:t>Privacy Consent on FHIR (PCF)</a:t>
             </a:r>
           </a:p>
         </p:txBody>
       </p:sp>
     </p:spTree>
-    <p:extLst>
-      <p:ext uri="{BB962C8B-B14F-4D97-AF65-F5344CB8AC3E}">
-        <p14:creationId xmlns:p14="http://schemas.microsoft.com/office/powerpoint/2010/main" val="2173937326"/>
-      </p:ext>
-    </p:extLst>
   </p:cSld>
   <p:clrMapOvr>
     <a:masterClrMapping/>
   </p:clrMapOvr>
+  <p:transition/>
 </p:sld>
 </file>
 
@@ -7249,6 +11124,620 @@
 </file>
 
 <file path=ppt/theme/theme2.xml><?xml version="1.0" encoding="utf-8"?>
+<a:theme xmlns:a="http://schemas.openxmlformats.org/drawingml/2006/main" name="IHE Presentation Template-Aug 2004">
+  <a:themeElements>
+    <a:clrScheme name="IHE Presentation Template-Aug 2004 1">
+      <a:dk1>
+        <a:srgbClr val="000000"/>
+      </a:dk1>
+      <a:lt1>
+        <a:srgbClr val="FFFFFF"/>
+      </a:lt1>
+      <a:dk2>
+        <a:srgbClr val="0000FF"/>
+      </a:dk2>
+      <a:lt2>
+        <a:srgbClr val="FFCC66"/>
+      </a:lt2>
+      <a:accent1>
+        <a:srgbClr val="00FFFF"/>
+      </a:accent1>
+      <a:accent2>
+        <a:srgbClr val="3366FF"/>
+      </a:accent2>
+      <a:accent3>
+        <a:srgbClr val="AAAAFF"/>
+      </a:accent3>
+      <a:accent4>
+        <a:srgbClr val="DADADA"/>
+      </a:accent4>
+      <a:accent5>
+        <a:srgbClr val="AAFFFF"/>
+      </a:accent5>
+      <a:accent6>
+        <a:srgbClr val="2D5CE7"/>
+      </a:accent6>
+      <a:hlink>
+        <a:srgbClr val="FF0033"/>
+      </a:hlink>
+      <a:folHlink>
+        <a:srgbClr val="FFFF00"/>
+      </a:folHlink>
+    </a:clrScheme>
+    <a:fontScheme name="IHE Presentation Template-Aug 2004">
+      <a:majorFont>
+        <a:latin typeface="Arial"/>
+        <a:ea typeface=""/>
+        <a:cs typeface=""/>
+      </a:majorFont>
+      <a:minorFont>
+        <a:latin typeface="Arial"/>
+        <a:ea typeface=""/>
+        <a:cs typeface=""/>
+      </a:minorFont>
+    </a:fontScheme>
+    <a:fmtScheme name="Office">
+      <a:fillStyleLst>
+        <a:solidFill>
+          <a:schemeClr val="phClr"/>
+        </a:solidFill>
+        <a:gradFill rotWithShape="1">
+          <a:gsLst>
+            <a:gs pos="0">
+              <a:schemeClr val="phClr">
+                <a:tint val="50000"/>
+                <a:satMod val="300000"/>
+              </a:schemeClr>
+            </a:gs>
+            <a:gs pos="35000">
+              <a:schemeClr val="phClr">
+                <a:tint val="37000"/>
+                <a:satMod val="300000"/>
+              </a:schemeClr>
+            </a:gs>
+            <a:gs pos="100000">
+              <a:schemeClr val="phClr">
+                <a:tint val="15000"/>
+                <a:satMod val="350000"/>
+              </a:schemeClr>
+            </a:gs>
+          </a:gsLst>
+          <a:lin ang="16200000" scaled="1"/>
+        </a:gradFill>
+        <a:gradFill rotWithShape="1">
+          <a:gsLst>
+            <a:gs pos="0">
+              <a:schemeClr val="phClr">
+                <a:shade val="51000"/>
+                <a:satMod val="130000"/>
+              </a:schemeClr>
+            </a:gs>
+            <a:gs pos="80000">
+              <a:schemeClr val="phClr">
+                <a:shade val="93000"/>
+                <a:satMod val="130000"/>
+              </a:schemeClr>
+            </a:gs>
+            <a:gs pos="100000">
+              <a:schemeClr val="phClr">
+                <a:shade val="94000"/>
+                <a:satMod val="135000"/>
+              </a:schemeClr>
+            </a:gs>
+          </a:gsLst>
+          <a:lin ang="16200000" scaled="0"/>
+        </a:gradFill>
+      </a:fillStyleLst>
+      <a:lnStyleLst>
+        <a:ln w="9525" cap="flat" cmpd="sng" algn="ctr">
+          <a:solidFill>
+            <a:schemeClr val="phClr">
+              <a:shade val="95000"/>
+              <a:satMod val="105000"/>
+            </a:schemeClr>
+          </a:solidFill>
+          <a:prstDash val="solid"/>
+        </a:ln>
+        <a:ln w="25400" cap="flat" cmpd="sng" algn="ctr">
+          <a:solidFill>
+            <a:schemeClr val="phClr"/>
+          </a:solidFill>
+          <a:prstDash val="solid"/>
+        </a:ln>
+        <a:ln w="38100" cap="flat" cmpd="sng" algn="ctr">
+          <a:solidFill>
+            <a:schemeClr val="phClr"/>
+          </a:solidFill>
+          <a:prstDash val="solid"/>
+        </a:ln>
+      </a:lnStyleLst>
+      <a:effectStyleLst>
+        <a:effectStyle>
+          <a:effectLst>
+            <a:outerShdw blurRad="40000" dist="20000" dir="5400000" rotWithShape="0">
+              <a:srgbClr val="000000">
+                <a:alpha val="38000"/>
+              </a:srgbClr>
+            </a:outerShdw>
+          </a:effectLst>
+        </a:effectStyle>
+        <a:effectStyle>
+          <a:effectLst>
+            <a:outerShdw blurRad="40000" dist="23000" dir="5400000" rotWithShape="0">
+              <a:srgbClr val="000000">
+                <a:alpha val="35000"/>
+              </a:srgbClr>
+            </a:outerShdw>
+          </a:effectLst>
+        </a:effectStyle>
+        <a:effectStyle>
+          <a:effectLst>
+            <a:outerShdw blurRad="40000" dist="23000" dir="5400000" rotWithShape="0">
+              <a:srgbClr val="000000">
+                <a:alpha val="35000"/>
+              </a:srgbClr>
+            </a:outerShdw>
+          </a:effectLst>
+          <a:scene3d>
+            <a:camera prst="orthographicFront">
+              <a:rot lat="0" lon="0" rev="0"/>
+            </a:camera>
+            <a:lightRig rig="threePt" dir="t">
+              <a:rot lat="0" lon="0" rev="1200000"/>
+            </a:lightRig>
+          </a:scene3d>
+          <a:sp3d>
+            <a:bevelT w="63500" h="25400"/>
+          </a:sp3d>
+        </a:effectStyle>
+      </a:effectStyleLst>
+      <a:bgFillStyleLst>
+        <a:solidFill>
+          <a:schemeClr val="phClr"/>
+        </a:solidFill>
+        <a:gradFill rotWithShape="1">
+          <a:gsLst>
+            <a:gs pos="0">
+              <a:schemeClr val="phClr">
+                <a:tint val="40000"/>
+                <a:satMod val="350000"/>
+              </a:schemeClr>
+            </a:gs>
+            <a:gs pos="40000">
+              <a:schemeClr val="phClr">
+                <a:tint val="45000"/>
+                <a:shade val="99000"/>
+                <a:satMod val="350000"/>
+              </a:schemeClr>
+            </a:gs>
+            <a:gs pos="100000">
+              <a:schemeClr val="phClr">
+                <a:shade val="20000"/>
+                <a:satMod val="255000"/>
+              </a:schemeClr>
+            </a:gs>
+          </a:gsLst>
+          <a:path path="circle">
+            <a:fillToRect l="50000" t="-80000" r="50000" b="180000"/>
+          </a:path>
+        </a:gradFill>
+        <a:gradFill rotWithShape="1">
+          <a:gsLst>
+            <a:gs pos="0">
+              <a:schemeClr val="phClr">
+                <a:tint val="80000"/>
+                <a:satMod val="300000"/>
+              </a:schemeClr>
+            </a:gs>
+            <a:gs pos="100000">
+              <a:schemeClr val="phClr">
+                <a:shade val="30000"/>
+                <a:satMod val="200000"/>
+              </a:schemeClr>
+            </a:gs>
+          </a:gsLst>
+          <a:path path="circle">
+            <a:fillToRect l="50000" t="50000" r="50000" b="50000"/>
+          </a:path>
+        </a:gradFill>
+      </a:bgFillStyleLst>
+    </a:fmtScheme>
+  </a:themeElements>
+  <a:objectDefaults>
+    <a:spDef>
+      <a:spPr bwMode="auto">
+        <a:xfrm>
+          <a:off x="0" y="0"/>
+          <a:ext cx="1" cy="1"/>
+        </a:xfrm>
+        <a:custGeom>
+          <a:avLst/>
+          <a:gdLst/>
+          <a:ahLst/>
+          <a:cxnLst/>
+          <a:rect l="0" t="0" r="0" b="0"/>
+          <a:pathLst/>
+        </a:custGeom>
+        <a:noFill/>
+        <a:ln>
+          <a:noFill/>
+        </a:ln>
+        <a:effectLst/>
+        <a:extLst>
+          <a:ext uri="{909E8E84-426E-40DD-AFC4-6F175D3DCCD1}">
+            <a14:hiddenFill xmlns:a14="http://schemas.microsoft.com/office/drawing/2010/main">
+              <a:solidFill>
+                <a:schemeClr val="accent1"/>
+              </a:solidFill>
+            </a14:hiddenFill>
+          </a:ext>
+          <a:ext uri="{91240B29-F687-4F45-9708-019B960494DF}">
+            <a14:hiddenLine xmlns:a14="http://schemas.microsoft.com/office/drawing/2010/main" w="9525" cap="flat" cmpd="sng" algn="ctr">
+              <a:solidFill>
+                <a:schemeClr val="tx1"/>
+              </a:solidFill>
+              <a:prstDash val="solid"/>
+              <a:round/>
+              <a:headEnd type="none" w="med" len="med"/>
+              <a:tailEnd type="none" w="med" len="med"/>
+            </a14:hiddenLine>
+          </a:ext>
+          <a:ext uri="{AF507438-7753-43E0-B8FC-AC1667EBCBE1}">
+            <a14:hiddenEffects xmlns:a14="http://schemas.microsoft.com/office/drawing/2010/main">
+              <a:effectLst>
+                <a:outerShdw dist="35921" dir="2700000" algn="ctr" rotWithShape="0">
+                  <a:schemeClr val="bg2"/>
+                </a:outerShdw>
+              </a:effectLst>
+            </a14:hiddenEffects>
+          </a:ext>
+        </a:extLst>
+      </a:spPr>
+      <a:bodyPr vert="horz" wrap="square" lIns="92075" tIns="46038" rIns="92075" bIns="46038" numCol="1" anchor="ctr" anchorCtr="0" compatLnSpc="1">
+        <a:prstTxWarp prst="textNoShape">
+          <a:avLst/>
+        </a:prstTxWarp>
+      </a:bodyPr>
+      <a:lstStyle>
+        <a:defPPr marL="0" marR="0" indent="0" algn="l" defTabSz="914400" rtl="0" eaLnBrk="1" fontAlgn="base" latinLnBrk="0" hangingPunct="1">
+          <a:lnSpc>
+            <a:spcPct val="100000"/>
+          </a:lnSpc>
+          <a:spcBef>
+            <a:spcPct val="0"/>
+          </a:spcBef>
+          <a:spcAft>
+            <a:spcPct val="0"/>
+          </a:spcAft>
+          <a:buClr>
+            <a:schemeClr val="bg1"/>
+          </a:buClr>
+          <a:buSzPct val="100000"/>
+          <a:buFont typeface="Wingdings" pitchFamily="2" charset="2"/>
+          <a:buNone/>
+          <a:tabLst/>
+          <a:defRPr kumimoji="0" lang="en-US" sz="3600" b="0" i="0" u="none" strike="noStrike" cap="none" normalizeH="0" baseline="0" smtClean="0">
+            <a:ln>
+              <a:noFill/>
+            </a:ln>
+            <a:solidFill>
+              <a:schemeClr val="tx1"/>
+            </a:solidFill>
+            <a:effectLst>
+              <a:outerShdw blurRad="38100" dist="38100" dir="2700000" algn="tl">
+                <a:srgbClr val="000000">
+                  <a:alpha val="43137"/>
+                </a:srgbClr>
+              </a:outerShdw>
+            </a:effectLst>
+            <a:latin typeface="Arial" pitchFamily="34" charset="0"/>
+          </a:defRPr>
+        </a:defPPr>
+      </a:lstStyle>
+    </a:spDef>
+    <a:lnDef>
+      <a:spPr bwMode="auto">
+        <a:xfrm>
+          <a:off x="0" y="0"/>
+          <a:ext cx="1" cy="1"/>
+        </a:xfrm>
+        <a:custGeom>
+          <a:avLst/>
+          <a:gdLst/>
+          <a:ahLst/>
+          <a:cxnLst/>
+          <a:rect l="0" t="0" r="0" b="0"/>
+          <a:pathLst/>
+        </a:custGeom>
+        <a:noFill/>
+        <a:ln>
+          <a:noFill/>
+        </a:ln>
+        <a:effectLst/>
+        <a:extLst>
+          <a:ext uri="{909E8E84-426E-40DD-AFC4-6F175D3DCCD1}">
+            <a14:hiddenFill xmlns:a14="http://schemas.microsoft.com/office/drawing/2010/main">
+              <a:solidFill>
+                <a:schemeClr val="accent1"/>
+              </a:solidFill>
+            </a14:hiddenFill>
+          </a:ext>
+          <a:ext uri="{91240B29-F687-4F45-9708-019B960494DF}">
+            <a14:hiddenLine xmlns:a14="http://schemas.microsoft.com/office/drawing/2010/main" w="9525" cap="flat" cmpd="sng" algn="ctr">
+              <a:solidFill>
+                <a:schemeClr val="tx1"/>
+              </a:solidFill>
+              <a:prstDash val="solid"/>
+              <a:round/>
+              <a:headEnd type="none" w="med" len="med"/>
+              <a:tailEnd type="none" w="med" len="med"/>
+            </a14:hiddenLine>
+          </a:ext>
+          <a:ext uri="{AF507438-7753-43E0-B8FC-AC1667EBCBE1}">
+            <a14:hiddenEffects xmlns:a14="http://schemas.microsoft.com/office/drawing/2010/main">
+              <a:effectLst>
+                <a:outerShdw dist="35921" dir="2700000" algn="ctr" rotWithShape="0">
+                  <a:schemeClr val="bg2"/>
+                </a:outerShdw>
+              </a:effectLst>
+            </a14:hiddenEffects>
+          </a:ext>
+        </a:extLst>
+      </a:spPr>
+      <a:bodyPr vert="horz" wrap="square" lIns="92075" tIns="46038" rIns="92075" bIns="46038" numCol="1" anchor="ctr" anchorCtr="0" compatLnSpc="1">
+        <a:prstTxWarp prst="textNoShape">
+          <a:avLst/>
+        </a:prstTxWarp>
+      </a:bodyPr>
+      <a:lstStyle>
+        <a:defPPr marL="0" marR="0" indent="0" algn="l" defTabSz="914400" rtl="0" eaLnBrk="1" fontAlgn="base" latinLnBrk="0" hangingPunct="1">
+          <a:lnSpc>
+            <a:spcPct val="100000"/>
+          </a:lnSpc>
+          <a:spcBef>
+            <a:spcPct val="0"/>
+          </a:spcBef>
+          <a:spcAft>
+            <a:spcPct val="0"/>
+          </a:spcAft>
+          <a:buClr>
+            <a:schemeClr val="bg1"/>
+          </a:buClr>
+          <a:buSzPct val="100000"/>
+          <a:buFont typeface="Wingdings" pitchFamily="2" charset="2"/>
+          <a:buNone/>
+          <a:tabLst/>
+          <a:defRPr kumimoji="0" lang="en-US" sz="3600" b="0" i="0" u="none" strike="noStrike" cap="none" normalizeH="0" baseline="0" smtClean="0">
+            <a:ln>
+              <a:noFill/>
+            </a:ln>
+            <a:solidFill>
+              <a:schemeClr val="tx1"/>
+            </a:solidFill>
+            <a:effectLst>
+              <a:outerShdw blurRad="38100" dist="38100" dir="2700000" algn="tl">
+                <a:srgbClr val="000000">
+                  <a:alpha val="43137"/>
+                </a:srgbClr>
+              </a:outerShdw>
+            </a:effectLst>
+            <a:latin typeface="Arial" pitchFamily="34" charset="0"/>
+          </a:defRPr>
+        </a:defPPr>
+      </a:lstStyle>
+    </a:lnDef>
+  </a:objectDefaults>
+  <a:extraClrSchemeLst>
+    <a:extraClrScheme>
+      <a:clrScheme name="IHE Presentation Template-Aug 2004 1">
+        <a:dk1>
+          <a:srgbClr val="000000"/>
+        </a:dk1>
+        <a:lt1>
+          <a:srgbClr val="FFFFFF"/>
+        </a:lt1>
+        <a:dk2>
+          <a:srgbClr val="0000FF"/>
+        </a:dk2>
+        <a:lt2>
+          <a:srgbClr val="FFCC66"/>
+        </a:lt2>
+        <a:accent1>
+          <a:srgbClr val="00FFFF"/>
+        </a:accent1>
+        <a:accent2>
+          <a:srgbClr val="3366FF"/>
+        </a:accent2>
+        <a:accent3>
+          <a:srgbClr val="AAAAFF"/>
+        </a:accent3>
+        <a:accent4>
+          <a:srgbClr val="DADADA"/>
+        </a:accent4>
+        <a:accent5>
+          <a:srgbClr val="AAFFFF"/>
+        </a:accent5>
+        <a:accent6>
+          <a:srgbClr val="2D5CE7"/>
+        </a:accent6>
+        <a:hlink>
+          <a:srgbClr val="FF0033"/>
+        </a:hlink>
+        <a:folHlink>
+          <a:srgbClr val="FFFF00"/>
+        </a:folHlink>
+      </a:clrScheme>
+      <a:clrMap bg1="dk2" tx1="lt1" bg2="dk1" tx2="lt2" accent1="accent1" accent2="accent2" accent3="accent3" accent4="accent4" accent5="accent5" accent6="accent6" hlink="hlink" folHlink="folHlink"/>
+    </a:extraClrScheme>
+    <a:extraClrScheme>
+      <a:clrScheme name="IHE Presentation Template-Aug 2004 2">
+        <a:dk1>
+          <a:srgbClr val="000000"/>
+        </a:dk1>
+        <a:lt1>
+          <a:srgbClr val="FFFFFF"/>
+        </a:lt1>
+        <a:dk2>
+          <a:srgbClr val="000000"/>
+        </a:dk2>
+        <a:lt2>
+          <a:srgbClr val="CCECFF"/>
+        </a:lt2>
+        <a:accent1>
+          <a:srgbClr val="6699FF"/>
+        </a:accent1>
+        <a:accent2>
+          <a:srgbClr val="66CCFF"/>
+        </a:accent2>
+        <a:accent3>
+          <a:srgbClr val="FFFFFF"/>
+        </a:accent3>
+        <a:accent4>
+          <a:srgbClr val="000000"/>
+        </a:accent4>
+        <a:accent5>
+          <a:srgbClr val="B8CAFF"/>
+        </a:accent5>
+        <a:accent6>
+          <a:srgbClr val="5CB9E7"/>
+        </a:accent6>
+        <a:hlink>
+          <a:srgbClr val="CC99FF"/>
+        </a:hlink>
+        <a:folHlink>
+          <a:srgbClr val="00CCCC"/>
+        </a:folHlink>
+      </a:clrScheme>
+      <a:clrMap bg1="lt1" tx1="dk1" bg2="lt2" tx2="dk2" accent1="accent1" accent2="accent2" accent3="accent3" accent4="accent4" accent5="accent5" accent6="accent6" hlink="hlink" folHlink="folHlink"/>
+    </a:extraClrScheme>
+    <a:extraClrScheme>
+      <a:clrScheme name="IHE Presentation Template-Aug 2004 3">
+        <a:dk1>
+          <a:srgbClr val="000000"/>
+        </a:dk1>
+        <a:lt1>
+          <a:srgbClr val="FFFFFF"/>
+        </a:lt1>
+        <a:dk2>
+          <a:srgbClr val="000000"/>
+        </a:dk2>
+        <a:lt2>
+          <a:srgbClr val="FFFFFF"/>
+        </a:lt2>
+        <a:accent1>
+          <a:srgbClr val="CBCBCB"/>
+        </a:accent1>
+        <a:accent2>
+          <a:srgbClr val="EAEAEA"/>
+        </a:accent2>
+        <a:accent3>
+          <a:srgbClr val="FFFFFF"/>
+        </a:accent3>
+        <a:accent4>
+          <a:srgbClr val="000000"/>
+        </a:accent4>
+        <a:accent5>
+          <a:srgbClr val="E2E2E2"/>
+        </a:accent5>
+        <a:accent6>
+          <a:srgbClr val="D4D4D4"/>
+        </a:accent6>
+        <a:hlink>
+          <a:srgbClr val="5F5F5F"/>
+        </a:hlink>
+        <a:folHlink>
+          <a:srgbClr val="969696"/>
+        </a:folHlink>
+      </a:clrScheme>
+      <a:clrMap bg1="lt1" tx1="dk1" bg2="lt2" tx2="dk2" accent1="accent1" accent2="accent2" accent3="accent3" accent4="accent4" accent5="accent5" accent6="accent6" hlink="hlink" folHlink="folHlink"/>
+    </a:extraClrScheme>
+    <a:extraClrScheme>
+      <a:clrScheme name="IHE Presentation Template-Aug 2004 4">
+        <a:dk1>
+          <a:srgbClr val="000000"/>
+        </a:dk1>
+        <a:lt1>
+          <a:srgbClr val="FFFFFF"/>
+        </a:lt1>
+        <a:dk2>
+          <a:srgbClr val="008080"/>
+        </a:dk2>
+        <a:lt2>
+          <a:srgbClr val="FFCC66"/>
+        </a:lt2>
+        <a:accent1>
+          <a:srgbClr val="0099CC"/>
+        </a:accent1>
+        <a:accent2>
+          <a:srgbClr val="009999"/>
+        </a:accent2>
+        <a:accent3>
+          <a:srgbClr val="AAC0C0"/>
+        </a:accent3>
+        <a:accent4>
+          <a:srgbClr val="DADADA"/>
+        </a:accent4>
+        <a:accent5>
+          <a:srgbClr val="AACAE2"/>
+        </a:accent5>
+        <a:accent6>
+          <a:srgbClr val="008A8A"/>
+        </a:accent6>
+        <a:hlink>
+          <a:srgbClr val="6600CC"/>
+        </a:hlink>
+        <a:folHlink>
+          <a:srgbClr val="FFFF00"/>
+        </a:folHlink>
+      </a:clrScheme>
+      <a:clrMap bg1="dk2" tx1="lt1" bg2="dk1" tx2="lt2" accent1="accent1" accent2="accent2" accent3="accent3" accent4="accent4" accent5="accent5" accent6="accent6" hlink="hlink" folHlink="folHlink"/>
+    </a:extraClrScheme>
+    <a:extraClrScheme>
+      <a:clrScheme name="IHE Presentation Template-Aug 2004 5">
+        <a:dk1>
+          <a:srgbClr val="000000"/>
+        </a:dk1>
+        <a:lt1>
+          <a:srgbClr val="FFFFFF"/>
+        </a:lt1>
+        <a:dk2>
+          <a:srgbClr val="993300"/>
+        </a:dk2>
+        <a:lt2>
+          <a:srgbClr val="FFCC66"/>
+        </a:lt2>
+        <a:accent1>
+          <a:srgbClr val="FF6633"/>
+        </a:accent1>
+        <a:accent2>
+          <a:srgbClr val="CC6600"/>
+        </a:accent2>
+        <a:accent3>
+          <a:srgbClr val="CAADAA"/>
+        </a:accent3>
+        <a:accent4>
+          <a:srgbClr val="DADADA"/>
+        </a:accent4>
+        <a:accent5>
+          <a:srgbClr val="FFB8AD"/>
+        </a:accent5>
+        <a:accent6>
+          <a:srgbClr val="B95C00"/>
+        </a:accent6>
+        <a:hlink>
+          <a:srgbClr val="CC0000"/>
+        </a:hlink>
+        <a:folHlink>
+          <a:srgbClr val="FFFF00"/>
+        </a:folHlink>
+      </a:clrScheme>
+      <a:clrMap bg1="dk2" tx1="lt1" bg2="dk1" tx2="lt2" accent1="accent1" accent2="accent2" accent3="accent3" accent4="accent4" accent5="accent5" accent6="accent6" hlink="hlink" folHlink="folHlink"/>
+    </a:extraClrScheme>
+  </a:extraClrSchemeLst>
+</a:theme>
+</file>
+
+<file path=ppt/theme/theme3.xml><?xml version="1.0" encoding="utf-8"?>
 <a:theme xmlns:a="http://schemas.openxmlformats.org/drawingml/2006/main" name="Office Theme">
   <a:themeElements>
     <a:clrScheme name="Office">
